--- a/AI in games.pptx
+++ b/AI in games.pptx
@@ -18,6 +18,10 @@
     <p:sldId id="266" r:id="rId12"/>
     <p:sldId id="267" r:id="rId13"/>
     <p:sldId id="268" r:id="rId14"/>
+    <p:sldId id="269" r:id="rId15"/>
+    <p:sldId id="270" r:id="rId16"/>
+    <p:sldId id="271" r:id="rId17"/>
+    <p:sldId id="272" r:id="rId18"/>
   </p:sldIdLst>
   <p:sldSz cx="9144000" cy="6858000" type="screen4x3"/>
   <p:notesSz cx="6858000" cy="9144000"/>
@@ -301,7 +305,7 @@
             <a:fld id="{6A9098E9-EBEF-4CE3-A33C-08CA338752E2}" type="datetimeFigureOut">
               <a:rPr lang="en-US" smtClean="0"/>
               <a:pPr/>
-              <a:t>12/15/2015</a:t>
+              <a:t>2/4/2016</a:t>
             </a:fld>
             <a:endParaRPr lang="en-US"/>
           </a:p>
@@ -468,7 +472,7 @@
             <a:fld id="{6A9098E9-EBEF-4CE3-A33C-08CA338752E2}" type="datetimeFigureOut">
               <a:rPr lang="en-US" smtClean="0"/>
               <a:pPr/>
-              <a:t>12/15/2015</a:t>
+              <a:t>2/4/2016</a:t>
             </a:fld>
             <a:endParaRPr lang="en-US"/>
           </a:p>
@@ -645,7 +649,7 @@
             <a:fld id="{6A9098E9-EBEF-4CE3-A33C-08CA338752E2}" type="datetimeFigureOut">
               <a:rPr lang="en-US" smtClean="0"/>
               <a:pPr/>
-              <a:t>12/15/2015</a:t>
+              <a:t>2/4/2016</a:t>
             </a:fld>
             <a:endParaRPr lang="en-US"/>
           </a:p>
@@ -812,7 +816,7 @@
             <a:fld id="{6A9098E9-EBEF-4CE3-A33C-08CA338752E2}" type="datetimeFigureOut">
               <a:rPr lang="en-US" smtClean="0"/>
               <a:pPr/>
-              <a:t>12/15/2015</a:t>
+              <a:t>2/4/2016</a:t>
             </a:fld>
             <a:endParaRPr lang="en-US"/>
           </a:p>
@@ -1055,7 +1059,7 @@
             <a:fld id="{6A9098E9-EBEF-4CE3-A33C-08CA338752E2}" type="datetimeFigureOut">
               <a:rPr lang="en-US" smtClean="0"/>
               <a:pPr/>
-              <a:t>12/15/2015</a:t>
+              <a:t>2/4/2016</a:t>
             </a:fld>
             <a:endParaRPr lang="en-US"/>
           </a:p>
@@ -1340,7 +1344,7 @@
             <a:fld id="{6A9098E9-EBEF-4CE3-A33C-08CA338752E2}" type="datetimeFigureOut">
               <a:rPr lang="en-US" smtClean="0"/>
               <a:pPr/>
-              <a:t>12/15/2015</a:t>
+              <a:t>2/4/2016</a:t>
             </a:fld>
             <a:endParaRPr lang="en-US"/>
           </a:p>
@@ -1759,7 +1763,7 @@
             <a:fld id="{6A9098E9-EBEF-4CE3-A33C-08CA338752E2}" type="datetimeFigureOut">
               <a:rPr lang="en-US" smtClean="0"/>
               <a:pPr/>
-              <a:t>12/15/2015</a:t>
+              <a:t>2/4/2016</a:t>
             </a:fld>
             <a:endParaRPr lang="en-US"/>
           </a:p>
@@ -1874,7 +1878,7 @@
             <a:fld id="{6A9098E9-EBEF-4CE3-A33C-08CA338752E2}" type="datetimeFigureOut">
               <a:rPr lang="en-US" smtClean="0"/>
               <a:pPr/>
-              <a:t>12/15/2015</a:t>
+              <a:t>2/4/2016</a:t>
             </a:fld>
             <a:endParaRPr lang="en-US"/>
           </a:p>
@@ -1966,7 +1970,7 @@
             <a:fld id="{6A9098E9-EBEF-4CE3-A33C-08CA338752E2}" type="datetimeFigureOut">
               <a:rPr lang="en-US" smtClean="0"/>
               <a:pPr/>
-              <a:t>12/15/2015</a:t>
+              <a:t>2/4/2016</a:t>
             </a:fld>
             <a:endParaRPr lang="en-US"/>
           </a:p>
@@ -2240,7 +2244,7 @@
             <a:fld id="{6A9098E9-EBEF-4CE3-A33C-08CA338752E2}" type="datetimeFigureOut">
               <a:rPr lang="en-US" smtClean="0"/>
               <a:pPr/>
-              <a:t>12/15/2015</a:t>
+              <a:t>2/4/2016</a:t>
             </a:fld>
             <a:endParaRPr lang="en-US"/>
           </a:p>
@@ -2490,7 +2494,7 @@
             <a:fld id="{6A9098E9-EBEF-4CE3-A33C-08CA338752E2}" type="datetimeFigureOut">
               <a:rPr lang="en-US" smtClean="0"/>
               <a:pPr/>
-              <a:t>12/15/2015</a:t>
+              <a:t>2/4/2016</a:t>
             </a:fld>
             <a:endParaRPr lang="en-US"/>
           </a:p>
@@ -2700,7 +2704,7 @@
             <a:fld id="{6A9098E9-EBEF-4CE3-A33C-08CA338752E2}" type="datetimeFigureOut">
               <a:rPr lang="en-US" smtClean="0"/>
               <a:pPr/>
-              <a:t>12/15/2015</a:t>
+              <a:t>2/4/2016</a:t>
             </a:fld>
             <a:endParaRPr lang="en-US"/>
           </a:p>
@@ -3451,6 +3455,381 @@
 </p:sld>
 </file>
 
+<file path=ppt/slides/slide14.xml><?xml version="1.0" encoding="utf-8"?>
+<p:sld xmlns:a="http://schemas.openxmlformats.org/drawingml/2006/main" xmlns:r="http://schemas.openxmlformats.org/officeDocument/2006/relationships" xmlns:p="http://schemas.openxmlformats.org/presentationml/2006/main">
+  <p:cSld>
+    <p:spTree>
+      <p:nvGrpSpPr>
+        <p:cNvPr id="1" name=""/>
+        <p:cNvGrpSpPr/>
+        <p:nvPr/>
+      </p:nvGrpSpPr>
+      <p:grpSpPr>
+        <a:xfrm>
+          <a:off x="0" y="0"/>
+          <a:ext cx="0" cy="0"/>
+          <a:chOff x="0" y="0"/>
+          <a:chExt cx="0" cy="0"/>
+        </a:xfrm>
+      </p:grpSpPr>
+      <p:sp>
+        <p:nvSpPr>
+          <p:cNvPr id="2" name="Title 1"/>
+          <p:cNvSpPr>
+            <a:spLocks noGrp="1"/>
+          </p:cNvSpPr>
+          <p:nvPr>
+            <p:ph type="title"/>
+          </p:nvPr>
+        </p:nvSpPr>
+        <p:spPr/>
+        <p:txBody>
+          <a:bodyPr/>
+          <a:lstStyle/>
+          <a:p>
+            <a:r>
+              <a:rPr lang="en-US" dirty="0" err="1" smtClean="0"/>
+              <a:t>Implementacija</a:t>
+            </a:r>
+            <a:r>
+              <a:rPr lang="en-US" dirty="0" smtClean="0"/>
+              <a:t> </a:t>
+            </a:r>
+            <a:r>
+              <a:rPr lang="en-US" dirty="0" err="1" smtClean="0"/>
+              <a:t>algoritma</a:t>
+            </a:r>
+            <a:endParaRPr lang="en-US" dirty="0"/>
+          </a:p>
+        </p:txBody>
+      </p:sp>
+      <p:sp>
+        <p:nvSpPr>
+          <p:cNvPr id="3" name="Content Placeholder 2"/>
+          <p:cNvSpPr>
+            <a:spLocks noGrp="1"/>
+          </p:cNvSpPr>
+          <p:nvPr>
+            <p:ph idx="1"/>
+          </p:nvPr>
+        </p:nvSpPr>
+        <p:spPr/>
+        <p:txBody>
+          <a:bodyPr/>
+          <a:lstStyle/>
+          <a:p>
+            <a:r>
+              <a:rPr lang="en-US" dirty="0" smtClean="0"/>
+              <a:t>U </a:t>
+            </a:r>
+            <a:r>
+              <a:rPr lang="en-US" dirty="0" err="1" smtClean="0"/>
+              <a:t>odnosu</a:t>
+            </a:r>
+            <a:r>
+              <a:rPr lang="en-US" dirty="0" smtClean="0"/>
+              <a:t> </a:t>
+            </a:r>
+            <a:r>
+              <a:rPr lang="en-US" dirty="0" err="1" smtClean="0"/>
+              <a:t>na</a:t>
+            </a:r>
+            <a:r>
+              <a:rPr lang="en-US" dirty="0" smtClean="0"/>
+              <a:t> </a:t>
+            </a:r>
+            <a:r>
+              <a:rPr lang="en-US" dirty="0" err="1" smtClean="0"/>
+              <a:t>klasican</a:t>
+            </a:r>
+            <a:r>
+              <a:rPr lang="en-US" dirty="0" smtClean="0"/>
+              <a:t> N-Gram </a:t>
+            </a:r>
+            <a:r>
+              <a:rPr lang="en-US" dirty="0" err="1" smtClean="0"/>
+              <a:t>na</a:t>
+            </a:r>
+            <a:r>
+              <a:rPr lang="en-US" dirty="0" smtClean="0"/>
+              <a:t> </a:t>
+            </a:r>
+            <a:r>
+              <a:rPr lang="en-US" dirty="0" err="1" smtClean="0"/>
+              <a:t>verovatnocu</a:t>
+            </a:r>
+            <a:r>
+              <a:rPr lang="en-US" dirty="0" smtClean="0"/>
+              <a:t> </a:t>
+            </a:r>
+            <a:r>
+              <a:rPr lang="en-US" dirty="0" err="1" smtClean="0"/>
+              <a:t>uti</a:t>
+            </a:r>
+            <a:r>
+              <a:rPr lang="sr-Latn-RS" dirty="0" smtClean="0"/>
+              <a:t>če i koja je po redu partija u kojoj se traži poklapanje (što</a:t>
+            </a:r>
+            <a:r>
+              <a:rPr lang="en-US" dirty="0" smtClean="0"/>
+              <a:t> </a:t>
+            </a:r>
+            <a:r>
+              <a:rPr lang="sr-Latn-RS" dirty="0" smtClean="0"/>
+              <a:t>je partija starija manje utiče)</a:t>
+            </a:r>
+          </a:p>
+          <a:p>
+            <a:endParaRPr lang="sr-Latn-RS" dirty="0" smtClean="0"/>
+          </a:p>
+          <a:p>
+            <a:r>
+              <a:rPr lang="sr-Latn-RS" dirty="0" smtClean="0"/>
+              <a:t>U slučaju da nije našao nijedno poklapanje u prehodnim partijama sa n prosleđenih poteza, pokušaće sa n-1 poteza</a:t>
+            </a:r>
+            <a:endParaRPr lang="en-US" dirty="0"/>
+          </a:p>
+        </p:txBody>
+      </p:sp>
+    </p:spTree>
+  </p:cSld>
+  <p:clrMapOvr>
+    <a:masterClrMapping/>
+  </p:clrMapOvr>
+</p:sld>
+</file>
+
+<file path=ppt/slides/slide15.xml><?xml version="1.0" encoding="utf-8"?>
+<p:sld xmlns:a="http://schemas.openxmlformats.org/drawingml/2006/main" xmlns:r="http://schemas.openxmlformats.org/officeDocument/2006/relationships" xmlns:p="http://schemas.openxmlformats.org/presentationml/2006/main">
+  <p:cSld>
+    <p:spTree>
+      <p:nvGrpSpPr>
+        <p:cNvPr id="1" name=""/>
+        <p:cNvGrpSpPr/>
+        <p:nvPr/>
+      </p:nvGrpSpPr>
+      <p:grpSpPr>
+        <a:xfrm>
+          <a:off x="0" y="0"/>
+          <a:ext cx="0" cy="0"/>
+          <a:chOff x="0" y="0"/>
+          <a:chExt cx="0" cy="0"/>
+        </a:xfrm>
+      </p:grpSpPr>
+      <p:sp>
+        <p:nvSpPr>
+          <p:cNvPr id="2" name="Title 1"/>
+          <p:cNvSpPr>
+            <a:spLocks noGrp="1"/>
+          </p:cNvSpPr>
+          <p:nvPr>
+            <p:ph type="title"/>
+          </p:nvPr>
+        </p:nvSpPr>
+        <p:spPr/>
+        <p:txBody>
+          <a:bodyPr>
+            <a:normAutofit fontScale="90000"/>
+          </a:bodyPr>
+          <a:lstStyle/>
+          <a:p>
+            <a:r>
+              <a:rPr lang="sr-Latn-RS" dirty="0" smtClean="0"/>
+              <a:t>Studija – rezultati za različit broj poteza posmatranih</a:t>
+            </a:r>
+            <a:endParaRPr lang="en-US" dirty="0"/>
+          </a:p>
+        </p:txBody>
+      </p:sp>
+      <p:sp>
+        <p:nvSpPr>
+          <p:cNvPr id="3" name="Content Placeholder 2"/>
+          <p:cNvSpPr>
+            <a:spLocks noGrp="1"/>
+          </p:cNvSpPr>
+          <p:nvPr>
+            <p:ph idx="1"/>
+          </p:nvPr>
+        </p:nvSpPr>
+        <p:spPr/>
+        <p:txBody>
+          <a:bodyPr/>
+          <a:lstStyle/>
+          <a:p>
+            <a:r>
+              <a:rPr lang="sr-Latn-RS" dirty="0" smtClean="0"/>
+              <a:t>Hteli smo da utvrdimo koji je optimalan broj poteza koji treba da se upoređuje sa prethodnim partijama</a:t>
+            </a:r>
+          </a:p>
+          <a:p>
+            <a:endParaRPr lang="sr-Latn-RS" dirty="0" smtClean="0"/>
+          </a:p>
+          <a:p>
+            <a:r>
+              <a:rPr lang="sr-Latn-RS" dirty="0" smtClean="0"/>
+              <a:t>Osmislili smo 15 partija sa potezima za svaku, i ispočetka igrali za različito n</a:t>
+            </a:r>
+            <a:endParaRPr lang="sr-Latn-RS" dirty="0" smtClean="0"/>
+          </a:p>
+        </p:txBody>
+      </p:sp>
+    </p:spTree>
+  </p:cSld>
+  <p:clrMapOvr>
+    <a:masterClrMapping/>
+  </p:clrMapOvr>
+</p:sld>
+</file>
+
+<file path=ppt/slides/slide16.xml><?xml version="1.0" encoding="utf-8"?>
+<p:sld xmlns:a="http://schemas.openxmlformats.org/drawingml/2006/main" xmlns:r="http://schemas.openxmlformats.org/officeDocument/2006/relationships" xmlns:p="http://schemas.openxmlformats.org/presentationml/2006/main">
+  <p:cSld>
+    <p:spTree>
+      <p:nvGrpSpPr>
+        <p:cNvPr id="1" name=""/>
+        <p:cNvGrpSpPr/>
+        <p:nvPr/>
+      </p:nvGrpSpPr>
+      <p:grpSpPr>
+        <a:xfrm>
+          <a:off x="0" y="0"/>
+          <a:ext cx="0" cy="0"/>
+          <a:chOff x="0" y="0"/>
+          <a:chExt cx="0" cy="0"/>
+        </a:xfrm>
+      </p:grpSpPr>
+      <p:sp>
+        <p:nvSpPr>
+          <p:cNvPr id="2" name="Title 1"/>
+          <p:cNvSpPr>
+            <a:spLocks noGrp="1"/>
+          </p:cNvSpPr>
+          <p:nvPr>
+            <p:ph type="title"/>
+          </p:nvPr>
+        </p:nvSpPr>
+        <p:spPr/>
+        <p:txBody>
+          <a:bodyPr/>
+          <a:lstStyle/>
+          <a:p>
+            <a:r>
+              <a:rPr lang="sr-Latn-RS" dirty="0" smtClean="0"/>
+              <a:t>Rezultati studije</a:t>
+            </a:r>
+            <a:endParaRPr lang="en-US" dirty="0"/>
+          </a:p>
+        </p:txBody>
+      </p:sp>
+      <p:sp>
+        <p:nvSpPr>
+          <p:cNvPr id="3" name="Content Placeholder 2"/>
+          <p:cNvSpPr>
+            <a:spLocks noGrp="1"/>
+          </p:cNvSpPr>
+          <p:nvPr>
+            <p:ph idx="1"/>
+          </p:nvPr>
+        </p:nvSpPr>
+        <p:spPr/>
+        <p:txBody>
+          <a:bodyPr/>
+          <a:lstStyle/>
+          <a:p>
+            <a:r>
+              <a:rPr lang="sr-Latn-RS" dirty="0" smtClean="0"/>
+              <a:t>Podjednako dobro su se pokazali slučajevi gde se gleda 1 ili 2 prethodna poteza, dok se najgore pokazao slučaj sa 4. Slučajevi sa 3 i 5 posmatranih poteza se nalaze između.</a:t>
+            </a:r>
+            <a:endParaRPr lang="en-US" dirty="0"/>
+          </a:p>
+        </p:txBody>
+      </p:sp>
+    </p:spTree>
+  </p:cSld>
+  <p:clrMapOvr>
+    <a:masterClrMapping/>
+  </p:clrMapOvr>
+</p:sld>
+</file>
+
+<file path=ppt/slides/slide17.xml><?xml version="1.0" encoding="utf-8"?>
+<p:sld xmlns:a="http://schemas.openxmlformats.org/drawingml/2006/main" xmlns:r="http://schemas.openxmlformats.org/officeDocument/2006/relationships" xmlns:p="http://schemas.openxmlformats.org/presentationml/2006/main">
+  <p:cSld>
+    <p:spTree>
+      <p:nvGrpSpPr>
+        <p:cNvPr id="1" name=""/>
+        <p:cNvGrpSpPr/>
+        <p:nvPr/>
+      </p:nvGrpSpPr>
+      <p:grpSpPr>
+        <a:xfrm>
+          <a:off x="0" y="0"/>
+          <a:ext cx="0" cy="0"/>
+          <a:chOff x="0" y="0"/>
+          <a:chExt cx="0" cy="0"/>
+        </a:xfrm>
+      </p:grpSpPr>
+      <p:sp>
+        <p:nvSpPr>
+          <p:cNvPr id="2" name="Title 1"/>
+          <p:cNvSpPr>
+            <a:spLocks noGrp="1"/>
+          </p:cNvSpPr>
+          <p:nvPr>
+            <p:ph type="title"/>
+          </p:nvPr>
+        </p:nvSpPr>
+        <p:spPr/>
+        <p:txBody>
+          <a:bodyPr/>
+          <a:lstStyle/>
+          <a:p>
+            <a:r>
+              <a:rPr lang="sr-Latn-RS" dirty="0" smtClean="0"/>
+              <a:t>Rezultati algoritma</a:t>
+            </a:r>
+            <a:endParaRPr lang="en-US" dirty="0"/>
+          </a:p>
+        </p:txBody>
+      </p:sp>
+      <p:sp>
+        <p:nvSpPr>
+          <p:cNvPr id="3" name="Content Placeholder 2"/>
+          <p:cNvSpPr>
+            <a:spLocks noGrp="1"/>
+          </p:cNvSpPr>
+          <p:nvPr>
+            <p:ph idx="1"/>
+          </p:nvPr>
+        </p:nvSpPr>
+        <p:spPr/>
+        <p:txBody>
+          <a:bodyPr>
+            <a:normAutofit lnSpcReduction="10000"/>
+          </a:bodyPr>
+          <a:lstStyle/>
+          <a:p>
+            <a:r>
+              <a:rPr lang="sr-Latn-RS" dirty="0" smtClean="0"/>
+              <a:t>Rezultati su bili nezadovoljavajući. Ovaj tip igre sadrži prevelik stepen nasumičnosti da bi N-Gram bio efikasan, i igrač je dobijao većinu partija.</a:t>
+            </a:r>
+          </a:p>
+          <a:p>
+            <a:r>
+              <a:rPr lang="sr-Latn-RS" smtClean="0"/>
+              <a:t>Smatramo da bi bolje rezultate dobili ukoliko bismo imali igru u kojoj je veća šansa da će igrač koristiti određene kombinacije učestalo (primer: igra Mortal Combat u kojoj određene kombinacije poteza daju poseban napad)</a:t>
+            </a:r>
+          </a:p>
+        </p:txBody>
+      </p:sp>
+    </p:spTree>
+  </p:cSld>
+  <p:clrMapOvr>
+    <a:masterClrMapping/>
+  </p:clrMapOvr>
+</p:sld>
+</file>
+
 <file path=ppt/slides/slide2.xml><?xml version="1.0" encoding="utf-8"?>
 <p:sld xmlns:a="http://schemas.openxmlformats.org/drawingml/2006/main" xmlns:r="http://schemas.openxmlformats.org/officeDocument/2006/relationships" xmlns:p="http://schemas.openxmlformats.org/presentationml/2006/main">
   <p:cSld>
@@ -3798,11 +4177,7 @@
             </a:r>
             <a:r>
               <a:rPr lang="sr-Latn-RS" dirty="0" smtClean="0"/>
-              <a:t> </a:t>
-            </a:r>
-            <a:r>
-              <a:rPr lang="sr-Latn-RS" dirty="0" smtClean="0"/>
-              <a:t>za inteligenciju u video igrama</a:t>
+              <a:t> za inteligenciju u video igrama</a:t>
             </a:r>
             <a:endParaRPr lang="en-US" dirty="0"/>
           </a:p>

--- a/AI in games.pptx
+++ b/AI in games.pptx
@@ -3669,7 +3669,6 @@
               <a:rPr lang="sr-Latn-RS" dirty="0" smtClean="0"/>
               <a:t>Osmislili smo 15 partija sa potezima za svaku, i ispočetka igrali za različito n</a:t>
             </a:r>
-            <a:endParaRPr lang="sr-Latn-RS" dirty="0" smtClean="0"/>
           </a:p>
         </p:txBody>
       </p:sp>
@@ -3805,18 +3804,54 @@
         <p:spPr/>
         <p:txBody>
           <a:bodyPr>
-            <a:normAutofit lnSpcReduction="10000"/>
+            <a:normAutofit fontScale="92500"/>
           </a:bodyPr>
           <a:lstStyle/>
           <a:p>
             <a:r>
               <a:rPr lang="sr-Latn-RS" dirty="0" smtClean="0"/>
-              <a:t>Rezultati su bili nezadovoljavajući. Ovaj tip igre sadrži prevelik stepen nasumičnosti da bi N-Gram bio efikasan, i igrač je dobijao većinu partija.</a:t>
-            </a:r>
-          </a:p>
-          <a:p>
+              <a:t>Rezultati su bili nezadovoljavajući. Ovaj tip igre sadrži prevelik stepen </a:t>
+            </a:r>
+            <a:r>
+              <a:rPr lang="sr-Latn-RS" dirty="0" smtClean="0"/>
+              <a:t>nasumičnosti</a:t>
+            </a:r>
+            <a:r>
+              <a:rPr lang="en-US" dirty="0" smtClean="0"/>
+              <a:t>, </a:t>
+            </a:r>
+            <a:r>
+              <a:rPr lang="en-US" dirty="0" err="1" smtClean="0"/>
+              <a:t>i</a:t>
+            </a:r>
+            <a:r>
+              <a:rPr lang="en-US" dirty="0" smtClean="0"/>
+              <a:t> </a:t>
+            </a:r>
+            <a:r>
+              <a:rPr lang="sr-Latn-RS" dirty="0" smtClean="0"/>
+              <a:t>međusobni potezi su nepovezani, tako da </a:t>
+            </a:r>
             <a:r>
               <a:rPr lang="sr-Latn-RS" smtClean="0"/>
+              <a:t>N-Gram </a:t>
+            </a:r>
+            <a:r>
+              <a:rPr lang="sr-Latn-RS" smtClean="0"/>
+              <a:t>nije </a:t>
+            </a:r>
+            <a:r>
+              <a:rPr lang="sr-Latn-RS" dirty="0" smtClean="0"/>
+              <a:t>efikasan, </a:t>
+            </a:r>
+            <a:r>
+              <a:rPr lang="sr-Latn-RS" dirty="0" smtClean="0"/>
+              <a:t>i igrač je dobijao većinu partija.</a:t>
+            </a:r>
+          </a:p>
+          <a:p>
+            <a:r>
+              <a:rPr lang="sr-Latn-RS" dirty="0" smtClean="0"/>
               <a:t>Smatramo da bi bolje rezultate dobili ukoliko bismo imali igru u kojoj je veća šansa da će igrač koristiti određene kombinacije učestalo (primer: igra Mortal Combat u kojoj određene kombinacije poteza daju poseban napad)</a:t>
             </a:r>
           </a:p>

--- a/AI in games.pptx
+++ b/AI in games.pptx
@@ -18,10 +18,14 @@
     <p:sldId id="266" r:id="rId12"/>
     <p:sldId id="267" r:id="rId13"/>
     <p:sldId id="268" r:id="rId14"/>
-    <p:sldId id="269" r:id="rId15"/>
-    <p:sldId id="270" r:id="rId16"/>
-    <p:sldId id="271" r:id="rId17"/>
-    <p:sldId id="272" r:id="rId18"/>
+    <p:sldId id="273" r:id="rId15"/>
+    <p:sldId id="274" r:id="rId16"/>
+    <p:sldId id="269" r:id="rId17"/>
+    <p:sldId id="270" r:id="rId18"/>
+    <p:sldId id="275" r:id="rId19"/>
+    <p:sldId id="276" r:id="rId20"/>
+    <p:sldId id="271" r:id="rId21"/>
+    <p:sldId id="272" r:id="rId22"/>
   </p:sldIdLst>
   <p:sldSz cx="9144000" cy="6858000" type="screen4x3"/>
   <p:notesSz cx="6858000" cy="9144000"/>
@@ -123,6 +127,777 @@
 </p:presentation>
 </file>
 
+<file path=ppt/charts/chart1.xml><?xml version="1.0" encoding="utf-8"?>
+<c:chartSpace xmlns:c="http://schemas.openxmlformats.org/drawingml/2006/chart" xmlns:a="http://schemas.openxmlformats.org/drawingml/2006/main" xmlns:r="http://schemas.openxmlformats.org/officeDocument/2006/relationships">
+  <c:lang val="en-US"/>
+  <c:chart>
+    <c:title>
+      <c:layout/>
+    </c:title>
+    <c:plotArea>
+      <c:layout/>
+      <c:barChart>
+        <c:barDir val="col"/>
+        <c:grouping val="clustered"/>
+        <c:ser>
+          <c:idx val="0"/>
+          <c:order val="0"/>
+          <c:tx>
+            <c:strRef>
+              <c:f>Sheet1!$B$1</c:f>
+              <c:strCache>
+                <c:ptCount val="1"/>
+                <c:pt idx="0">
+                  <c:v>Prednost igraca</c:v>
+                </c:pt>
+              </c:strCache>
+            </c:strRef>
+          </c:tx>
+          <c:cat>
+            <c:numRef>
+              <c:f>Sheet1!$A$2:$A$6</c:f>
+              <c:numCache>
+                <c:formatCode>General</c:formatCode>
+                <c:ptCount val="5"/>
+                <c:pt idx="0">
+                  <c:v>1</c:v>
+                </c:pt>
+                <c:pt idx="1">
+                  <c:v>2</c:v>
+                </c:pt>
+                <c:pt idx="2">
+                  <c:v>3</c:v>
+                </c:pt>
+                <c:pt idx="3">
+                  <c:v>4</c:v>
+                </c:pt>
+                <c:pt idx="4">
+                  <c:v>5</c:v>
+                </c:pt>
+              </c:numCache>
+            </c:numRef>
+          </c:cat>
+          <c:val>
+            <c:numRef>
+              <c:f>Sheet1!$B$2:$B$6</c:f>
+              <c:numCache>
+                <c:formatCode>General</c:formatCode>
+                <c:ptCount val="5"/>
+                <c:pt idx="0">
+                  <c:v>7</c:v>
+                </c:pt>
+                <c:pt idx="1">
+                  <c:v>7</c:v>
+                </c:pt>
+                <c:pt idx="2">
+                  <c:v>9</c:v>
+                </c:pt>
+                <c:pt idx="3">
+                  <c:v>10</c:v>
+                </c:pt>
+                <c:pt idx="4">
+                  <c:v>8</c:v>
+                </c:pt>
+              </c:numCache>
+            </c:numRef>
+          </c:val>
+        </c:ser>
+        <c:axId val="52454144"/>
+        <c:axId val="52456064"/>
+      </c:barChart>
+      <c:catAx>
+        <c:axId val="52454144"/>
+        <c:scaling>
+          <c:orientation val="minMax"/>
+        </c:scaling>
+        <c:axPos val="b"/>
+        <c:numFmt formatCode="General" sourceLinked="1"/>
+        <c:tickLblPos val="nextTo"/>
+        <c:crossAx val="52456064"/>
+        <c:crosses val="autoZero"/>
+        <c:auto val="1"/>
+        <c:lblAlgn val="ctr"/>
+        <c:lblOffset val="100"/>
+      </c:catAx>
+      <c:valAx>
+        <c:axId val="52456064"/>
+        <c:scaling>
+          <c:orientation val="minMax"/>
+        </c:scaling>
+        <c:axPos val="l"/>
+        <c:majorGridlines/>
+        <c:numFmt formatCode="General" sourceLinked="1"/>
+        <c:tickLblPos val="nextTo"/>
+        <c:crossAx val="52454144"/>
+        <c:crosses val="autoZero"/>
+        <c:crossBetween val="between"/>
+      </c:valAx>
+    </c:plotArea>
+    <c:legend>
+      <c:legendPos val="r"/>
+      <c:layout/>
+    </c:legend>
+    <c:plotVisOnly val="1"/>
+  </c:chart>
+  <c:txPr>
+    <a:bodyPr/>
+    <a:lstStyle/>
+    <a:p>
+      <a:pPr>
+        <a:defRPr sz="1800"/>
+      </a:pPr>
+      <a:endParaRPr lang="en-US"/>
+    </a:p>
+  </c:txPr>
+  <c:externalData r:id="rId1"/>
+</c:chartSpace>
+</file>
+
+<file path=ppt/charts/chart2.xml><?xml version="1.0" encoding="utf-8"?>
+<c:chartSpace xmlns:c="http://schemas.openxmlformats.org/drawingml/2006/chart" xmlns:a="http://schemas.openxmlformats.org/drawingml/2006/main" xmlns:r="http://schemas.openxmlformats.org/officeDocument/2006/relationships">
+  <c:lang val="en-US"/>
+  <c:chart>
+    <c:plotArea>
+      <c:layout/>
+      <c:lineChart>
+        <c:grouping val="standard"/>
+        <c:ser>
+          <c:idx val="0"/>
+          <c:order val="0"/>
+          <c:tx>
+            <c:strRef>
+              <c:f>Sheet1!$B$1</c:f>
+              <c:strCache>
+                <c:ptCount val="1"/>
+                <c:pt idx="0">
+                  <c:v>n=1</c:v>
+                </c:pt>
+              </c:strCache>
+            </c:strRef>
+          </c:tx>
+          <c:cat>
+            <c:numRef>
+              <c:f>Sheet1!$A$2:$A$15</c:f>
+              <c:numCache>
+                <c:formatCode>General</c:formatCode>
+                <c:ptCount val="14"/>
+                <c:pt idx="0">
+                  <c:v>2</c:v>
+                </c:pt>
+                <c:pt idx="1">
+                  <c:v>3</c:v>
+                </c:pt>
+                <c:pt idx="2">
+                  <c:v>4</c:v>
+                </c:pt>
+                <c:pt idx="3">
+                  <c:v>5</c:v>
+                </c:pt>
+                <c:pt idx="4">
+                  <c:v>6</c:v>
+                </c:pt>
+                <c:pt idx="5">
+                  <c:v>7</c:v>
+                </c:pt>
+                <c:pt idx="6">
+                  <c:v>8</c:v>
+                </c:pt>
+                <c:pt idx="7">
+                  <c:v>9</c:v>
+                </c:pt>
+                <c:pt idx="8">
+                  <c:v>10</c:v>
+                </c:pt>
+                <c:pt idx="9">
+                  <c:v>11</c:v>
+                </c:pt>
+                <c:pt idx="10">
+                  <c:v>12</c:v>
+                </c:pt>
+                <c:pt idx="11">
+                  <c:v>13</c:v>
+                </c:pt>
+                <c:pt idx="12">
+                  <c:v>14</c:v>
+                </c:pt>
+                <c:pt idx="13">
+                  <c:v>15</c:v>
+                </c:pt>
+              </c:numCache>
+            </c:numRef>
+          </c:cat>
+          <c:val>
+            <c:numRef>
+              <c:f>Sheet1!$B$2:$B$15</c:f>
+              <c:numCache>
+                <c:formatCode>General</c:formatCode>
+                <c:ptCount val="14"/>
+                <c:pt idx="0">
+                  <c:v>0</c:v>
+                </c:pt>
+                <c:pt idx="1">
+                  <c:v>-1</c:v>
+                </c:pt>
+                <c:pt idx="2">
+                  <c:v>1</c:v>
+                </c:pt>
+                <c:pt idx="3">
+                  <c:v>1</c:v>
+                </c:pt>
+                <c:pt idx="4">
+                  <c:v>1</c:v>
+                </c:pt>
+                <c:pt idx="5">
+                  <c:v>1</c:v>
+                </c:pt>
+                <c:pt idx="6">
+                  <c:v>1</c:v>
+                </c:pt>
+                <c:pt idx="7">
+                  <c:v>-1</c:v>
+                </c:pt>
+                <c:pt idx="8">
+                  <c:v>1</c:v>
+                </c:pt>
+                <c:pt idx="9">
+                  <c:v>1</c:v>
+                </c:pt>
+                <c:pt idx="10">
+                  <c:v>1</c:v>
+                </c:pt>
+                <c:pt idx="11">
+                  <c:v>-1</c:v>
+                </c:pt>
+                <c:pt idx="12">
+                  <c:v>1</c:v>
+                </c:pt>
+                <c:pt idx="13">
+                  <c:v>1</c:v>
+                </c:pt>
+              </c:numCache>
+            </c:numRef>
+          </c:val>
+        </c:ser>
+        <c:ser>
+          <c:idx val="1"/>
+          <c:order val="1"/>
+          <c:tx>
+            <c:strRef>
+              <c:f>Sheet1!$C$1</c:f>
+              <c:strCache>
+                <c:ptCount val="1"/>
+                <c:pt idx="0">
+                  <c:v>n=2</c:v>
+                </c:pt>
+              </c:strCache>
+            </c:strRef>
+          </c:tx>
+          <c:cat>
+            <c:numRef>
+              <c:f>Sheet1!$A$2:$A$15</c:f>
+              <c:numCache>
+                <c:formatCode>General</c:formatCode>
+                <c:ptCount val="14"/>
+                <c:pt idx="0">
+                  <c:v>2</c:v>
+                </c:pt>
+                <c:pt idx="1">
+                  <c:v>3</c:v>
+                </c:pt>
+                <c:pt idx="2">
+                  <c:v>4</c:v>
+                </c:pt>
+                <c:pt idx="3">
+                  <c:v>5</c:v>
+                </c:pt>
+                <c:pt idx="4">
+                  <c:v>6</c:v>
+                </c:pt>
+                <c:pt idx="5">
+                  <c:v>7</c:v>
+                </c:pt>
+                <c:pt idx="6">
+                  <c:v>8</c:v>
+                </c:pt>
+                <c:pt idx="7">
+                  <c:v>9</c:v>
+                </c:pt>
+                <c:pt idx="8">
+                  <c:v>10</c:v>
+                </c:pt>
+                <c:pt idx="9">
+                  <c:v>11</c:v>
+                </c:pt>
+                <c:pt idx="10">
+                  <c:v>12</c:v>
+                </c:pt>
+                <c:pt idx="11">
+                  <c:v>13</c:v>
+                </c:pt>
+                <c:pt idx="12">
+                  <c:v>14</c:v>
+                </c:pt>
+                <c:pt idx="13">
+                  <c:v>15</c:v>
+                </c:pt>
+              </c:numCache>
+            </c:numRef>
+          </c:cat>
+          <c:val>
+            <c:numRef>
+              <c:f>Sheet1!$C$2:$C$15</c:f>
+              <c:numCache>
+                <c:formatCode>General</c:formatCode>
+                <c:ptCount val="14"/>
+                <c:pt idx="0">
+                  <c:v>0</c:v>
+                </c:pt>
+                <c:pt idx="1">
+                  <c:v>-1</c:v>
+                </c:pt>
+                <c:pt idx="2">
+                  <c:v>1</c:v>
+                </c:pt>
+                <c:pt idx="3">
+                  <c:v>1</c:v>
+                </c:pt>
+                <c:pt idx="4">
+                  <c:v>0</c:v>
+                </c:pt>
+                <c:pt idx="5">
+                  <c:v>1</c:v>
+                </c:pt>
+                <c:pt idx="6">
+                  <c:v>1</c:v>
+                </c:pt>
+                <c:pt idx="7">
+                  <c:v>-1</c:v>
+                </c:pt>
+                <c:pt idx="8">
+                  <c:v>1</c:v>
+                </c:pt>
+                <c:pt idx="9">
+                  <c:v>1</c:v>
+                </c:pt>
+                <c:pt idx="10">
+                  <c:v>1</c:v>
+                </c:pt>
+                <c:pt idx="11">
+                  <c:v>1</c:v>
+                </c:pt>
+                <c:pt idx="12">
+                  <c:v>0</c:v>
+                </c:pt>
+                <c:pt idx="13">
+                  <c:v>1</c:v>
+                </c:pt>
+              </c:numCache>
+            </c:numRef>
+          </c:val>
+        </c:ser>
+        <c:ser>
+          <c:idx val="2"/>
+          <c:order val="2"/>
+          <c:tx>
+            <c:strRef>
+              <c:f>Sheet1!$D$1</c:f>
+              <c:strCache>
+                <c:ptCount val="1"/>
+                <c:pt idx="0">
+                  <c:v>n=3</c:v>
+                </c:pt>
+              </c:strCache>
+            </c:strRef>
+          </c:tx>
+          <c:cat>
+            <c:numRef>
+              <c:f>Sheet1!$A$2:$A$15</c:f>
+              <c:numCache>
+                <c:formatCode>General</c:formatCode>
+                <c:ptCount val="14"/>
+                <c:pt idx="0">
+                  <c:v>2</c:v>
+                </c:pt>
+                <c:pt idx="1">
+                  <c:v>3</c:v>
+                </c:pt>
+                <c:pt idx="2">
+                  <c:v>4</c:v>
+                </c:pt>
+                <c:pt idx="3">
+                  <c:v>5</c:v>
+                </c:pt>
+                <c:pt idx="4">
+                  <c:v>6</c:v>
+                </c:pt>
+                <c:pt idx="5">
+                  <c:v>7</c:v>
+                </c:pt>
+                <c:pt idx="6">
+                  <c:v>8</c:v>
+                </c:pt>
+                <c:pt idx="7">
+                  <c:v>9</c:v>
+                </c:pt>
+                <c:pt idx="8">
+                  <c:v>10</c:v>
+                </c:pt>
+                <c:pt idx="9">
+                  <c:v>11</c:v>
+                </c:pt>
+                <c:pt idx="10">
+                  <c:v>12</c:v>
+                </c:pt>
+                <c:pt idx="11">
+                  <c:v>13</c:v>
+                </c:pt>
+                <c:pt idx="12">
+                  <c:v>14</c:v>
+                </c:pt>
+                <c:pt idx="13">
+                  <c:v>15</c:v>
+                </c:pt>
+              </c:numCache>
+            </c:numRef>
+          </c:cat>
+          <c:val>
+            <c:numRef>
+              <c:f>Sheet1!$D$2:$D$15</c:f>
+              <c:numCache>
+                <c:formatCode>General</c:formatCode>
+                <c:ptCount val="14"/>
+                <c:pt idx="0">
+                  <c:v>0</c:v>
+                </c:pt>
+                <c:pt idx="1">
+                  <c:v>-1</c:v>
+                </c:pt>
+                <c:pt idx="2">
+                  <c:v>1</c:v>
+                </c:pt>
+                <c:pt idx="3">
+                  <c:v>1</c:v>
+                </c:pt>
+                <c:pt idx="4">
+                  <c:v>1</c:v>
+                </c:pt>
+                <c:pt idx="5">
+                  <c:v>1</c:v>
+                </c:pt>
+                <c:pt idx="6">
+                  <c:v>1</c:v>
+                </c:pt>
+                <c:pt idx="7">
+                  <c:v>0</c:v>
+                </c:pt>
+                <c:pt idx="8">
+                  <c:v>1</c:v>
+                </c:pt>
+                <c:pt idx="9">
+                  <c:v>1</c:v>
+                </c:pt>
+                <c:pt idx="10">
+                  <c:v>1</c:v>
+                </c:pt>
+                <c:pt idx="11">
+                  <c:v>1</c:v>
+                </c:pt>
+                <c:pt idx="12">
+                  <c:v>0</c:v>
+                </c:pt>
+                <c:pt idx="13">
+                  <c:v>1</c:v>
+                </c:pt>
+              </c:numCache>
+            </c:numRef>
+          </c:val>
+        </c:ser>
+        <c:ser>
+          <c:idx val="3"/>
+          <c:order val="3"/>
+          <c:tx>
+            <c:strRef>
+              <c:f>Sheet1!$E$1</c:f>
+              <c:strCache>
+                <c:ptCount val="1"/>
+                <c:pt idx="0">
+                  <c:v>n=4</c:v>
+                </c:pt>
+              </c:strCache>
+            </c:strRef>
+          </c:tx>
+          <c:cat>
+            <c:numRef>
+              <c:f>Sheet1!$A$2:$A$15</c:f>
+              <c:numCache>
+                <c:formatCode>General</c:formatCode>
+                <c:ptCount val="14"/>
+                <c:pt idx="0">
+                  <c:v>2</c:v>
+                </c:pt>
+                <c:pt idx="1">
+                  <c:v>3</c:v>
+                </c:pt>
+                <c:pt idx="2">
+                  <c:v>4</c:v>
+                </c:pt>
+                <c:pt idx="3">
+                  <c:v>5</c:v>
+                </c:pt>
+                <c:pt idx="4">
+                  <c:v>6</c:v>
+                </c:pt>
+                <c:pt idx="5">
+                  <c:v>7</c:v>
+                </c:pt>
+                <c:pt idx="6">
+                  <c:v>8</c:v>
+                </c:pt>
+                <c:pt idx="7">
+                  <c:v>9</c:v>
+                </c:pt>
+                <c:pt idx="8">
+                  <c:v>10</c:v>
+                </c:pt>
+                <c:pt idx="9">
+                  <c:v>11</c:v>
+                </c:pt>
+                <c:pt idx="10">
+                  <c:v>12</c:v>
+                </c:pt>
+                <c:pt idx="11">
+                  <c:v>13</c:v>
+                </c:pt>
+                <c:pt idx="12">
+                  <c:v>14</c:v>
+                </c:pt>
+                <c:pt idx="13">
+                  <c:v>15</c:v>
+                </c:pt>
+              </c:numCache>
+            </c:numRef>
+          </c:cat>
+          <c:val>
+            <c:numRef>
+              <c:f>Sheet1!$E$2:$E$15</c:f>
+              <c:numCache>
+                <c:formatCode>General</c:formatCode>
+                <c:ptCount val="14"/>
+                <c:pt idx="0">
+                  <c:v>0</c:v>
+                </c:pt>
+                <c:pt idx="1">
+                  <c:v>-1</c:v>
+                </c:pt>
+                <c:pt idx="2">
+                  <c:v>1</c:v>
+                </c:pt>
+                <c:pt idx="3">
+                  <c:v>1</c:v>
+                </c:pt>
+                <c:pt idx="4">
+                  <c:v>1</c:v>
+                </c:pt>
+                <c:pt idx="5">
+                  <c:v>1</c:v>
+                </c:pt>
+                <c:pt idx="6">
+                  <c:v>1</c:v>
+                </c:pt>
+                <c:pt idx="7">
+                  <c:v>0</c:v>
+                </c:pt>
+                <c:pt idx="8">
+                  <c:v>1</c:v>
+                </c:pt>
+                <c:pt idx="9">
+                  <c:v>1</c:v>
+                </c:pt>
+                <c:pt idx="10">
+                  <c:v>1</c:v>
+                </c:pt>
+                <c:pt idx="11">
+                  <c:v>1</c:v>
+                </c:pt>
+                <c:pt idx="12">
+                  <c:v>1</c:v>
+                </c:pt>
+                <c:pt idx="13">
+                  <c:v>1</c:v>
+                </c:pt>
+              </c:numCache>
+            </c:numRef>
+          </c:val>
+        </c:ser>
+        <c:ser>
+          <c:idx val="4"/>
+          <c:order val="4"/>
+          <c:tx>
+            <c:strRef>
+              <c:f>Sheet1!$F$1</c:f>
+              <c:strCache>
+                <c:ptCount val="1"/>
+                <c:pt idx="0">
+                  <c:v>n=5</c:v>
+                </c:pt>
+              </c:strCache>
+            </c:strRef>
+          </c:tx>
+          <c:cat>
+            <c:numRef>
+              <c:f>Sheet1!$A$2:$A$15</c:f>
+              <c:numCache>
+                <c:formatCode>General</c:formatCode>
+                <c:ptCount val="14"/>
+                <c:pt idx="0">
+                  <c:v>2</c:v>
+                </c:pt>
+                <c:pt idx="1">
+                  <c:v>3</c:v>
+                </c:pt>
+                <c:pt idx="2">
+                  <c:v>4</c:v>
+                </c:pt>
+                <c:pt idx="3">
+                  <c:v>5</c:v>
+                </c:pt>
+                <c:pt idx="4">
+                  <c:v>6</c:v>
+                </c:pt>
+                <c:pt idx="5">
+                  <c:v>7</c:v>
+                </c:pt>
+                <c:pt idx="6">
+                  <c:v>8</c:v>
+                </c:pt>
+                <c:pt idx="7">
+                  <c:v>9</c:v>
+                </c:pt>
+                <c:pt idx="8">
+                  <c:v>10</c:v>
+                </c:pt>
+                <c:pt idx="9">
+                  <c:v>11</c:v>
+                </c:pt>
+                <c:pt idx="10">
+                  <c:v>12</c:v>
+                </c:pt>
+                <c:pt idx="11">
+                  <c:v>13</c:v>
+                </c:pt>
+                <c:pt idx="12">
+                  <c:v>14</c:v>
+                </c:pt>
+                <c:pt idx="13">
+                  <c:v>15</c:v>
+                </c:pt>
+              </c:numCache>
+            </c:numRef>
+          </c:cat>
+          <c:val>
+            <c:numRef>
+              <c:f>Sheet1!$F$2:$F$15</c:f>
+              <c:numCache>
+                <c:formatCode>General</c:formatCode>
+                <c:ptCount val="14"/>
+                <c:pt idx="0">
+                  <c:v>0</c:v>
+                </c:pt>
+                <c:pt idx="1">
+                  <c:v>-1</c:v>
+                </c:pt>
+                <c:pt idx="2">
+                  <c:v>1</c:v>
+                </c:pt>
+                <c:pt idx="3">
+                  <c:v>1</c:v>
+                </c:pt>
+                <c:pt idx="4">
+                  <c:v>1</c:v>
+                </c:pt>
+                <c:pt idx="5">
+                  <c:v>1</c:v>
+                </c:pt>
+                <c:pt idx="6">
+                  <c:v>1</c:v>
+                </c:pt>
+                <c:pt idx="7">
+                  <c:v>0</c:v>
+                </c:pt>
+                <c:pt idx="8">
+                  <c:v>1</c:v>
+                </c:pt>
+                <c:pt idx="9">
+                  <c:v>-1</c:v>
+                </c:pt>
+                <c:pt idx="10">
+                  <c:v>1</c:v>
+                </c:pt>
+                <c:pt idx="11">
+                  <c:v>1</c:v>
+                </c:pt>
+                <c:pt idx="12">
+                  <c:v>1</c:v>
+                </c:pt>
+                <c:pt idx="13">
+                  <c:v>1</c:v>
+                </c:pt>
+              </c:numCache>
+            </c:numRef>
+          </c:val>
+        </c:ser>
+        <c:marker val="1"/>
+        <c:axId val="52547968"/>
+        <c:axId val="52549888"/>
+      </c:lineChart>
+      <c:catAx>
+        <c:axId val="52547968"/>
+        <c:scaling>
+          <c:orientation val="minMax"/>
+        </c:scaling>
+        <c:axPos val="b"/>
+        <c:numFmt formatCode="General" sourceLinked="1"/>
+        <c:tickLblPos val="nextTo"/>
+        <c:crossAx val="52549888"/>
+        <c:crosses val="autoZero"/>
+        <c:auto val="1"/>
+        <c:lblAlgn val="ctr"/>
+        <c:lblOffset val="100"/>
+      </c:catAx>
+      <c:valAx>
+        <c:axId val="52549888"/>
+        <c:scaling>
+          <c:orientation val="minMax"/>
+        </c:scaling>
+        <c:axPos val="l"/>
+        <c:majorGridlines/>
+        <c:numFmt formatCode="General" sourceLinked="1"/>
+        <c:tickLblPos val="nextTo"/>
+        <c:crossAx val="52547968"/>
+        <c:crosses val="autoZero"/>
+        <c:crossBetween val="between"/>
+      </c:valAx>
+    </c:plotArea>
+    <c:legend>
+      <c:legendPos val="r"/>
+      <c:layout/>
+    </c:legend>
+    <c:plotVisOnly val="1"/>
+  </c:chart>
+  <c:txPr>
+    <a:bodyPr/>
+    <a:lstStyle/>
+    <a:p>
+      <a:pPr>
+        <a:defRPr sz="1800"/>
+      </a:pPr>
+      <a:endParaRPr lang="en-US"/>
+    </a:p>
+  </c:txPr>
+  <c:externalData r:id="rId1"/>
+</c:chartSpace>
+</file>
+
 <file path=ppt/slideLayouts/slideLayout1.xml><?xml version="1.0" encoding="utf-8"?>
 <p:sldLayout xmlns:a="http://schemas.openxmlformats.org/drawingml/2006/main" xmlns:r="http://schemas.openxmlformats.org/officeDocument/2006/relationships" xmlns:p="http://schemas.openxmlformats.org/presentationml/2006/main" type="title" preserve="1">
   <p:cSld name="Title Slide">
@@ -305,7 +1080,7 @@
             <a:fld id="{6A9098E9-EBEF-4CE3-A33C-08CA338752E2}" type="datetimeFigureOut">
               <a:rPr lang="en-US" smtClean="0"/>
               <a:pPr/>
-              <a:t>2/4/2016</a:t>
+              <a:t>2/16/2016</a:t>
             </a:fld>
             <a:endParaRPr lang="en-US"/>
           </a:p>
@@ -472,7 +1247,7 @@
             <a:fld id="{6A9098E9-EBEF-4CE3-A33C-08CA338752E2}" type="datetimeFigureOut">
               <a:rPr lang="en-US" smtClean="0"/>
               <a:pPr/>
-              <a:t>2/4/2016</a:t>
+              <a:t>2/16/2016</a:t>
             </a:fld>
             <a:endParaRPr lang="en-US"/>
           </a:p>
@@ -649,7 +1424,7 @@
             <a:fld id="{6A9098E9-EBEF-4CE3-A33C-08CA338752E2}" type="datetimeFigureOut">
               <a:rPr lang="en-US" smtClean="0"/>
               <a:pPr/>
-              <a:t>2/4/2016</a:t>
+              <a:t>2/16/2016</a:t>
             </a:fld>
             <a:endParaRPr lang="en-US"/>
           </a:p>
@@ -816,7 +1591,7 @@
             <a:fld id="{6A9098E9-EBEF-4CE3-A33C-08CA338752E2}" type="datetimeFigureOut">
               <a:rPr lang="en-US" smtClean="0"/>
               <a:pPr/>
-              <a:t>2/4/2016</a:t>
+              <a:t>2/16/2016</a:t>
             </a:fld>
             <a:endParaRPr lang="en-US"/>
           </a:p>
@@ -1059,7 +1834,7 @@
             <a:fld id="{6A9098E9-EBEF-4CE3-A33C-08CA338752E2}" type="datetimeFigureOut">
               <a:rPr lang="en-US" smtClean="0"/>
               <a:pPr/>
-              <a:t>2/4/2016</a:t>
+              <a:t>2/16/2016</a:t>
             </a:fld>
             <a:endParaRPr lang="en-US"/>
           </a:p>
@@ -1344,7 +2119,7 @@
             <a:fld id="{6A9098E9-EBEF-4CE3-A33C-08CA338752E2}" type="datetimeFigureOut">
               <a:rPr lang="en-US" smtClean="0"/>
               <a:pPr/>
-              <a:t>2/4/2016</a:t>
+              <a:t>2/16/2016</a:t>
             </a:fld>
             <a:endParaRPr lang="en-US"/>
           </a:p>
@@ -1763,7 +2538,7 @@
             <a:fld id="{6A9098E9-EBEF-4CE3-A33C-08CA338752E2}" type="datetimeFigureOut">
               <a:rPr lang="en-US" smtClean="0"/>
               <a:pPr/>
-              <a:t>2/4/2016</a:t>
+              <a:t>2/16/2016</a:t>
             </a:fld>
             <a:endParaRPr lang="en-US"/>
           </a:p>
@@ -1878,7 +2653,7 @@
             <a:fld id="{6A9098E9-EBEF-4CE3-A33C-08CA338752E2}" type="datetimeFigureOut">
               <a:rPr lang="en-US" smtClean="0"/>
               <a:pPr/>
-              <a:t>2/4/2016</a:t>
+              <a:t>2/16/2016</a:t>
             </a:fld>
             <a:endParaRPr lang="en-US"/>
           </a:p>
@@ -1970,7 +2745,7 @@
             <a:fld id="{6A9098E9-EBEF-4CE3-A33C-08CA338752E2}" type="datetimeFigureOut">
               <a:rPr lang="en-US" smtClean="0"/>
               <a:pPr/>
-              <a:t>2/4/2016</a:t>
+              <a:t>2/16/2016</a:t>
             </a:fld>
             <a:endParaRPr lang="en-US"/>
           </a:p>
@@ -2244,7 +3019,7 @@
             <a:fld id="{6A9098E9-EBEF-4CE3-A33C-08CA338752E2}" type="datetimeFigureOut">
               <a:rPr lang="en-US" smtClean="0"/>
               <a:pPr/>
-              <a:t>2/4/2016</a:t>
+              <a:t>2/16/2016</a:t>
             </a:fld>
             <a:endParaRPr lang="en-US"/>
           </a:p>
@@ -2494,7 +3269,7 @@
             <a:fld id="{6A9098E9-EBEF-4CE3-A33C-08CA338752E2}" type="datetimeFigureOut">
               <a:rPr lang="en-US" smtClean="0"/>
               <a:pPr/>
-              <a:t>2/4/2016</a:t>
+              <a:t>2/16/2016</a:t>
             </a:fld>
             <a:endParaRPr lang="en-US"/>
           </a:p>
@@ -2704,7 +3479,7 @@
             <a:fld id="{6A9098E9-EBEF-4CE3-A33C-08CA338752E2}" type="datetimeFigureOut">
               <a:rPr lang="en-US" smtClean="0"/>
               <a:pPr/>
-              <a:t>2/4/2016</a:t>
+              <a:t>2/16/2016</a:t>
             </a:fld>
             <a:endParaRPr lang="en-US"/>
           </a:p>
@@ -3489,7 +4264,7 @@
           <a:p>
             <a:r>
               <a:rPr lang="en-US" dirty="0" err="1" smtClean="0"/>
-              <a:t>Implementacija</a:t>
+              <a:t>Pravila</a:t>
             </a:r>
             <a:r>
               <a:rPr lang="en-US" dirty="0" smtClean="0"/>
@@ -3497,100 +4272,35 @@
             </a:r>
             <a:r>
               <a:rPr lang="en-US" dirty="0" err="1" smtClean="0"/>
-              <a:t>algoritma</a:t>
+              <a:t>igre</a:t>
             </a:r>
             <a:endParaRPr lang="en-US" dirty="0"/>
           </a:p>
         </p:txBody>
       </p:sp>
-      <p:sp>
-        <p:nvSpPr>
-          <p:cNvPr id="3" name="Content Placeholder 2"/>
-          <p:cNvSpPr>
-            <a:spLocks noGrp="1"/>
-          </p:cNvSpPr>
+      <p:pic>
+        <p:nvPicPr>
+          <p:cNvPr id="4" name="Content Placeholder 3" descr="Pravila_igre.png"/>
+          <p:cNvPicPr>
+            <a:picLocks noGrp="1" noChangeAspect="1"/>
+          </p:cNvPicPr>
           <p:nvPr>
             <p:ph idx="1"/>
           </p:nvPr>
-        </p:nvSpPr>
-        <p:spPr/>
-        <p:txBody>
-          <a:bodyPr/>
-          <a:lstStyle/>
-          <a:p>
-            <a:r>
-              <a:rPr lang="en-US" dirty="0" smtClean="0"/>
-              <a:t>U </a:t>
-            </a:r>
-            <a:r>
-              <a:rPr lang="en-US" dirty="0" err="1" smtClean="0"/>
-              <a:t>odnosu</a:t>
-            </a:r>
-            <a:r>
-              <a:rPr lang="en-US" dirty="0" smtClean="0"/>
-              <a:t> </a:t>
-            </a:r>
-            <a:r>
-              <a:rPr lang="en-US" dirty="0" err="1" smtClean="0"/>
-              <a:t>na</a:t>
-            </a:r>
-            <a:r>
-              <a:rPr lang="en-US" dirty="0" smtClean="0"/>
-              <a:t> </a:t>
-            </a:r>
-            <a:r>
-              <a:rPr lang="en-US" dirty="0" err="1" smtClean="0"/>
-              <a:t>klasican</a:t>
-            </a:r>
-            <a:r>
-              <a:rPr lang="en-US" dirty="0" smtClean="0"/>
-              <a:t> N-Gram </a:t>
-            </a:r>
-            <a:r>
-              <a:rPr lang="en-US" dirty="0" err="1" smtClean="0"/>
-              <a:t>na</a:t>
-            </a:r>
-            <a:r>
-              <a:rPr lang="en-US" dirty="0" smtClean="0"/>
-              <a:t> </a:t>
-            </a:r>
-            <a:r>
-              <a:rPr lang="en-US" dirty="0" err="1" smtClean="0"/>
-              <a:t>verovatnocu</a:t>
-            </a:r>
-            <a:r>
-              <a:rPr lang="en-US" dirty="0" smtClean="0"/>
-              <a:t> </a:t>
-            </a:r>
-            <a:r>
-              <a:rPr lang="en-US" dirty="0" err="1" smtClean="0"/>
-              <a:t>uti</a:t>
-            </a:r>
-            <a:r>
-              <a:rPr lang="sr-Latn-RS" dirty="0" smtClean="0"/>
-              <a:t>če i koja je po redu partija u kojoj se traži poklapanje (što</a:t>
-            </a:r>
-            <a:r>
-              <a:rPr lang="en-US" dirty="0" smtClean="0"/>
-              <a:t> </a:t>
-            </a:r>
-            <a:r>
-              <a:rPr lang="sr-Latn-RS" dirty="0" smtClean="0"/>
-              <a:t>je partija starija manje utiče)</a:t>
-            </a:r>
-          </a:p>
-          <a:p>
-            <a:endParaRPr lang="sr-Latn-RS" dirty="0" smtClean="0"/>
-          </a:p>
-          <a:p>
-            <a:r>
-              <a:rPr lang="sr-Latn-RS" dirty="0" smtClean="0"/>
-              <a:t>U slučaju da nije našao nijedno poklapanje u prehodnim partijama sa n prosleđenih poteza, pokušaće sa n-1 poteza</a:t>
-            </a:r>
-            <a:endParaRPr lang="en-US" dirty="0"/>
-          </a:p>
-        </p:txBody>
-      </p:sp>
+        </p:nvPicPr>
+        <p:blipFill>
+          <a:blip r:embed="rId2" cstate="print"/>
+          <a:stretch>
+            <a:fillRect/>
+          </a:stretch>
+        </p:blipFill>
+        <p:spPr>
+          <a:xfrm>
+            <a:off x="1285416" y="1638783"/>
+            <a:ext cx="6573168" cy="4448796"/>
+          </a:xfrm>
+        </p:spPr>
+      </p:pic>
     </p:spTree>
   </p:cSld>
   <p:clrMapOvr>
@@ -3628,50 +4338,48 @@
         </p:nvSpPr>
         <p:spPr/>
         <p:txBody>
-          <a:bodyPr>
-            <a:normAutofit fontScale="90000"/>
-          </a:bodyPr>
-          <a:lstStyle/>
-          <a:p>
-            <a:r>
-              <a:rPr lang="sr-Latn-RS" dirty="0" smtClean="0"/>
-              <a:t>Studija – rezultati za različit broj poteza posmatranih</a:t>
+          <a:bodyPr/>
+          <a:lstStyle/>
+          <a:p>
+            <a:r>
+              <a:rPr lang="en-US" dirty="0" err="1" smtClean="0"/>
+              <a:t>Izgled</a:t>
+            </a:r>
+            <a:r>
+              <a:rPr lang="en-US" dirty="0" smtClean="0"/>
+              <a:t> </a:t>
+            </a:r>
+            <a:r>
+              <a:rPr lang="en-US" dirty="0" err="1" smtClean="0"/>
+              <a:t>igre</a:t>
             </a:r>
             <a:endParaRPr lang="en-US" dirty="0"/>
           </a:p>
         </p:txBody>
       </p:sp>
-      <p:sp>
-        <p:nvSpPr>
-          <p:cNvPr id="3" name="Content Placeholder 2"/>
-          <p:cNvSpPr>
-            <a:spLocks noGrp="1"/>
-          </p:cNvSpPr>
+      <p:pic>
+        <p:nvPicPr>
+          <p:cNvPr id="4" name="Content Placeholder 3" descr="Izgled igre.png"/>
+          <p:cNvPicPr>
+            <a:picLocks noGrp="1" noChangeAspect="1"/>
+          </p:cNvPicPr>
           <p:nvPr>
             <p:ph idx="1"/>
           </p:nvPr>
-        </p:nvSpPr>
-        <p:spPr/>
-        <p:txBody>
-          <a:bodyPr/>
-          <a:lstStyle/>
-          <a:p>
-            <a:r>
-              <a:rPr lang="sr-Latn-RS" dirty="0" smtClean="0"/>
-              <a:t>Hteli smo da utvrdimo koji je optimalan broj poteza koji treba da se upoređuje sa prethodnim partijama</a:t>
-            </a:r>
-          </a:p>
-          <a:p>
-            <a:endParaRPr lang="sr-Latn-RS" dirty="0" smtClean="0"/>
-          </a:p>
-          <a:p>
-            <a:r>
-              <a:rPr lang="sr-Latn-RS" dirty="0" smtClean="0"/>
-              <a:t>Osmislili smo 15 partija sa potezima za svaku, i ispočetka igrali za različito n</a:t>
-            </a:r>
-          </a:p>
-        </p:txBody>
-      </p:sp>
+        </p:nvPicPr>
+        <p:blipFill>
+          <a:blip r:embed="rId2" cstate="print"/>
+          <a:stretch>
+            <a:fillRect/>
+          </a:stretch>
+        </p:blipFill>
+        <p:spPr>
+          <a:xfrm>
+            <a:off x="457200" y="1619135"/>
+            <a:ext cx="8229600" cy="4488093"/>
+          </a:xfrm>
+        </p:spPr>
+      </p:pic>
     </p:spTree>
   </p:cSld>
   <p:clrMapOvr>
@@ -3713,8 +4421,16 @@
           <a:lstStyle/>
           <a:p>
             <a:r>
-              <a:rPr lang="sr-Latn-RS" dirty="0" smtClean="0"/>
-              <a:t>Rezultati studije</a:t>
+              <a:rPr lang="en-US" dirty="0" err="1" smtClean="0"/>
+              <a:t>Implementacija</a:t>
+            </a:r>
+            <a:r>
+              <a:rPr lang="en-US" dirty="0" smtClean="0"/>
+              <a:t> </a:t>
+            </a:r>
+            <a:r>
+              <a:rPr lang="en-US" dirty="0" err="1" smtClean="0"/>
+              <a:t>algoritma</a:t>
             </a:r>
             <a:endParaRPr lang="en-US" dirty="0"/>
           </a:p>
@@ -3736,8 +4452,73 @@
           <a:lstStyle/>
           <a:p>
             <a:r>
-              <a:rPr lang="sr-Latn-RS" dirty="0" smtClean="0"/>
-              <a:t>Podjednako dobro su se pokazali slučajevi gde se gleda 1 ili 2 prethodna poteza, dok se najgore pokazao slučaj sa 4. Slučajevi sa 3 i 5 posmatranih poteza se nalaze između.</a:t>
+              <a:rPr lang="en-US" dirty="0" smtClean="0"/>
+              <a:t>U </a:t>
+            </a:r>
+            <a:r>
+              <a:rPr lang="en-US" dirty="0" err="1" smtClean="0"/>
+              <a:t>odnosu</a:t>
+            </a:r>
+            <a:r>
+              <a:rPr lang="en-US" dirty="0" smtClean="0"/>
+              <a:t> </a:t>
+            </a:r>
+            <a:r>
+              <a:rPr lang="en-US" dirty="0" err="1" smtClean="0"/>
+              <a:t>na</a:t>
+            </a:r>
+            <a:r>
+              <a:rPr lang="en-US" dirty="0" smtClean="0"/>
+              <a:t> </a:t>
+            </a:r>
+            <a:r>
+              <a:rPr lang="en-US" dirty="0" err="1" smtClean="0"/>
+              <a:t>klasican</a:t>
+            </a:r>
+            <a:r>
+              <a:rPr lang="en-US" dirty="0" smtClean="0"/>
+              <a:t> N-Gram </a:t>
+            </a:r>
+            <a:r>
+              <a:rPr lang="en-US" dirty="0" err="1" smtClean="0"/>
+              <a:t>na</a:t>
+            </a:r>
+            <a:r>
+              <a:rPr lang="en-US" dirty="0" smtClean="0"/>
+              <a:t> </a:t>
+            </a:r>
+            <a:r>
+              <a:rPr lang="en-US" dirty="0" err="1" smtClean="0"/>
+              <a:t>verovatnocu</a:t>
+            </a:r>
+            <a:r>
+              <a:rPr lang="en-US" dirty="0" smtClean="0"/>
+              <a:t> </a:t>
+            </a:r>
+            <a:r>
+              <a:rPr lang="en-US" dirty="0" err="1" smtClean="0"/>
+              <a:t>uti</a:t>
+            </a:r>
+            <a:r>
+              <a:rPr lang="sr-Latn-RS" dirty="0" smtClean="0"/>
+              <a:t>če i koja je po redu partija u kojoj se traži poklapanje (što</a:t>
+            </a:r>
+            <a:r>
+              <a:rPr lang="en-US" dirty="0" smtClean="0"/>
+              <a:t> </a:t>
+            </a:r>
+            <a:r>
+              <a:rPr lang="sr-Latn-RS" dirty="0" smtClean="0"/>
+              <a:t>je partija starija manje utiče)</a:t>
+            </a:r>
+          </a:p>
+          <a:p>
+            <a:endParaRPr lang="sr-Latn-RS" dirty="0" smtClean="0"/>
+          </a:p>
+          <a:p>
+            <a:r>
+              <a:rPr lang="sr-Latn-RS" dirty="0" smtClean="0"/>
+              <a:t>U slučaju da nije našao nijedno poklapanje u prehodnim partijama sa n prosleđenih poteza, pokušaće sa n-1 poteza</a:t>
             </a:r>
             <a:endParaRPr lang="en-US" dirty="0"/>
           </a:p>
@@ -3780,12 +4561,18 @@
         </p:nvSpPr>
         <p:spPr/>
         <p:txBody>
-          <a:bodyPr/>
-          <a:lstStyle/>
-          <a:p>
-            <a:r>
-              <a:rPr lang="sr-Latn-RS" dirty="0" smtClean="0"/>
-              <a:t>Rezultati algoritma</a:t>
+          <a:bodyPr>
+            <a:normAutofit fontScale="90000"/>
+          </a:bodyPr>
+          <a:lstStyle/>
+          <a:p>
+            <a:r>
+              <a:rPr lang="sr-Latn-RS" dirty="0" smtClean="0"/>
+              <a:t>Studija – rezultati za različit broj poteza </a:t>
+            </a:r>
+            <a:r>
+              <a:rPr lang="sr-Latn-RS" dirty="0" smtClean="0"/>
+              <a:t>posmatranih u igri protiv ljudskog protivnika</a:t>
             </a:r>
             <a:endParaRPr lang="en-US" dirty="0"/>
           </a:p>
@@ -3803,60 +4590,182 @@
         </p:nvSpPr>
         <p:spPr/>
         <p:txBody>
+          <a:bodyPr/>
+          <a:lstStyle/>
+          <a:p>
+            <a:endParaRPr lang="sr-Latn-RS" dirty="0" smtClean="0"/>
+          </a:p>
+          <a:p>
+            <a:r>
+              <a:rPr lang="sr-Latn-RS" dirty="0" smtClean="0"/>
+              <a:t>Hteli </a:t>
+            </a:r>
+            <a:r>
+              <a:rPr lang="sr-Latn-RS" dirty="0" smtClean="0"/>
+              <a:t>smo da utvrdimo koji je optimalan broj poteza koji treba da se upoređuje sa prethodnim partijama</a:t>
+            </a:r>
+          </a:p>
+          <a:p>
+            <a:endParaRPr lang="sr-Latn-RS" dirty="0" smtClean="0"/>
+          </a:p>
+          <a:p>
+            <a:r>
+              <a:rPr lang="sr-Latn-RS" dirty="0" smtClean="0"/>
+              <a:t>Osmislili smo 15 partija sa potezima za svaku, i ispočetka igrali za različito n</a:t>
+            </a:r>
+          </a:p>
+        </p:txBody>
+      </p:sp>
+    </p:spTree>
+  </p:cSld>
+  <p:clrMapOvr>
+    <a:masterClrMapping/>
+  </p:clrMapOvr>
+</p:sld>
+</file>
+
+<file path=ppt/slides/slide18.xml><?xml version="1.0" encoding="utf-8"?>
+<p:sld xmlns:a="http://schemas.openxmlformats.org/drawingml/2006/main" xmlns:r="http://schemas.openxmlformats.org/officeDocument/2006/relationships" xmlns:p="http://schemas.openxmlformats.org/presentationml/2006/main">
+  <p:cSld>
+    <p:spTree>
+      <p:nvGrpSpPr>
+        <p:cNvPr id="1" name=""/>
+        <p:cNvGrpSpPr/>
+        <p:nvPr/>
+      </p:nvGrpSpPr>
+      <p:grpSpPr>
+        <a:xfrm>
+          <a:off x="0" y="0"/>
+          <a:ext cx="0" cy="0"/>
+          <a:chOff x="0" y="0"/>
+          <a:chExt cx="0" cy="0"/>
+        </a:xfrm>
+      </p:grpSpPr>
+      <p:sp>
+        <p:nvSpPr>
+          <p:cNvPr id="2" name="Title 1"/>
+          <p:cNvSpPr>
+            <a:spLocks noGrp="1"/>
+          </p:cNvSpPr>
+          <p:nvPr>
+            <p:ph type="title"/>
+          </p:nvPr>
+        </p:nvSpPr>
+        <p:spPr/>
+        <p:txBody>
+          <a:bodyPr/>
+          <a:lstStyle/>
+          <a:p>
+            <a:r>
+              <a:rPr lang="en-US" dirty="0" err="1" smtClean="0"/>
+              <a:t>Studija</a:t>
+            </a:r>
+            <a:r>
+              <a:rPr lang="sr-Latn-RS" dirty="0" smtClean="0"/>
+              <a:t> - rezultati</a:t>
+            </a:r>
+            <a:endParaRPr lang="en-US" dirty="0"/>
+          </a:p>
+        </p:txBody>
+      </p:sp>
+      <p:graphicFrame>
+        <p:nvGraphicFramePr>
+          <p:cNvPr id="8" name="Content Placeholder 7"/>
+          <p:cNvGraphicFramePr>
+            <a:graphicFrameLocks noGrp="1"/>
+          </p:cNvGraphicFramePr>
+          <p:nvPr>
+            <p:ph idx="1"/>
+          </p:nvPr>
+        </p:nvGraphicFramePr>
+        <p:xfrm>
+          <a:off x="457200" y="1676400"/>
+          <a:ext cx="8305800" cy="4449763"/>
+        </p:xfrm>
+        <a:graphic>
+          <a:graphicData uri="http://schemas.openxmlformats.org/drawingml/2006/chart">
+            <c:chart xmlns:c="http://schemas.openxmlformats.org/drawingml/2006/chart" xmlns:r="http://schemas.openxmlformats.org/officeDocument/2006/relationships" r:id="rId2"/>
+          </a:graphicData>
+        </a:graphic>
+      </p:graphicFrame>
+    </p:spTree>
+  </p:cSld>
+  <p:clrMapOvr>
+    <a:masterClrMapping/>
+  </p:clrMapOvr>
+</p:sld>
+</file>
+
+<file path=ppt/slides/slide19.xml><?xml version="1.0" encoding="utf-8"?>
+<p:sld xmlns:a="http://schemas.openxmlformats.org/drawingml/2006/main" xmlns:r="http://schemas.openxmlformats.org/officeDocument/2006/relationships" xmlns:p="http://schemas.openxmlformats.org/presentationml/2006/main">
+  <p:cSld>
+    <p:spTree>
+      <p:nvGrpSpPr>
+        <p:cNvPr id="1" name=""/>
+        <p:cNvGrpSpPr/>
+        <p:nvPr/>
+      </p:nvGrpSpPr>
+      <p:grpSpPr>
+        <a:xfrm>
+          <a:off x="0" y="0"/>
+          <a:ext cx="0" cy="0"/>
+          <a:chOff x="0" y="0"/>
+          <a:chExt cx="0" cy="0"/>
+        </a:xfrm>
+      </p:grpSpPr>
+      <p:sp>
+        <p:nvSpPr>
+          <p:cNvPr id="2" name="Title 1"/>
+          <p:cNvSpPr>
+            <a:spLocks noGrp="1"/>
+          </p:cNvSpPr>
+          <p:nvPr>
+            <p:ph type="title"/>
+          </p:nvPr>
+        </p:nvSpPr>
+        <p:spPr/>
+        <p:txBody>
           <a:bodyPr>
-            <a:normAutofit fontScale="92500"/>
+            <a:normAutofit fontScale="90000"/>
           </a:bodyPr>
           <a:lstStyle/>
           <a:p>
             <a:r>
-              <a:rPr lang="sr-Latn-RS" dirty="0" smtClean="0"/>
-              <a:t>Rezultati su bili nezadovoljavajući. Ovaj tip igre sadrži prevelik stepen </a:t>
-            </a:r>
-            <a:r>
-              <a:rPr lang="sr-Latn-RS" dirty="0" smtClean="0"/>
-              <a:t>nasumičnosti</a:t>
+              <a:rPr lang="en-US" dirty="0" err="1" smtClean="0"/>
+              <a:t>Studija</a:t>
             </a:r>
             <a:r>
               <a:rPr lang="en-US" dirty="0" smtClean="0"/>
-              <a:t>, </a:t>
-            </a:r>
-            <a:r>
-              <a:rPr lang="en-US" dirty="0" err="1" smtClean="0"/>
-              <a:t>i</a:t>
-            </a:r>
-            <a:r>
-              <a:rPr lang="en-US" dirty="0" smtClean="0"/>
-              <a:t> </a:t>
-            </a:r>
-            <a:r>
-              <a:rPr lang="sr-Latn-RS" dirty="0" smtClean="0"/>
-              <a:t>međusobni potezi su nepovezani, tako da </a:t>
-            </a:r>
-            <a:r>
-              <a:rPr lang="sr-Latn-RS" smtClean="0"/>
-              <a:t>N-Gram </a:t>
-            </a:r>
-            <a:r>
-              <a:rPr lang="sr-Latn-RS" smtClean="0"/>
-              <a:t>nije </a:t>
-            </a:r>
-            <a:r>
-              <a:rPr lang="sr-Latn-RS" dirty="0" smtClean="0"/>
-              <a:t>efikasan, </a:t>
-            </a:r>
-            <a:r>
-              <a:rPr lang="sr-Latn-RS" dirty="0" smtClean="0"/>
-              <a:t>i igrač je dobijao većinu partija.</a:t>
-            </a:r>
-          </a:p>
-          <a:p>
-            <a:r>
-              <a:rPr lang="sr-Latn-RS" dirty="0" smtClean="0"/>
-              <a:t>Smatramo da bi bolje rezultate dobili ukoliko bismo imali igru u kojoj je veća šansa da će igrač koristiti određene kombinacije učestalo (primer: igra Mortal Combat u kojoj određene kombinacije poteza daju poseban napad)</a:t>
-            </a:r>
-          </a:p>
-        </p:txBody>
-      </p:sp>
+              <a:t> – </a:t>
+            </a:r>
+            <a:r>
+              <a:rPr lang="sr-Latn-RS" dirty="0" smtClean="0"/>
+              <a:t>grafički prikaz rezultata partija</a:t>
+            </a:r>
+            <a:endParaRPr lang="en-US" dirty="0"/>
+          </a:p>
+        </p:txBody>
+      </p:sp>
+      <p:graphicFrame>
+        <p:nvGraphicFramePr>
+          <p:cNvPr id="4" name="Content Placeholder 3"/>
+          <p:cNvGraphicFramePr>
+            <a:graphicFrameLocks noGrp="1"/>
+          </p:cNvGraphicFramePr>
+          <p:nvPr>
+            <p:ph idx="1"/>
+          </p:nvPr>
+        </p:nvGraphicFramePr>
+        <p:xfrm>
+          <a:off x="457200" y="1600200"/>
+          <a:ext cx="8229600" cy="4525963"/>
+        </p:xfrm>
+        <a:graphic>
+          <a:graphicData uri="http://schemas.openxmlformats.org/drawingml/2006/chart">
+            <c:chart xmlns:c="http://schemas.openxmlformats.org/drawingml/2006/chart" xmlns:r="http://schemas.openxmlformats.org/officeDocument/2006/relationships" r:id="rId2"/>
+          </a:graphicData>
+        </a:graphic>
+      </p:graphicFrame>
     </p:spTree>
   </p:cSld>
   <p:clrMapOvr>
@@ -3981,6 +4890,192 @@
           <a:noFill/>
         </p:spPr>
       </p:pic>
+    </p:spTree>
+  </p:cSld>
+  <p:clrMapOvr>
+    <a:masterClrMapping/>
+  </p:clrMapOvr>
+</p:sld>
+</file>
+
+<file path=ppt/slides/slide20.xml><?xml version="1.0" encoding="utf-8"?>
+<p:sld xmlns:a="http://schemas.openxmlformats.org/drawingml/2006/main" xmlns:r="http://schemas.openxmlformats.org/officeDocument/2006/relationships" xmlns:p="http://schemas.openxmlformats.org/presentationml/2006/main">
+  <p:cSld>
+    <p:spTree>
+      <p:nvGrpSpPr>
+        <p:cNvPr id="1" name=""/>
+        <p:cNvGrpSpPr/>
+        <p:nvPr/>
+      </p:nvGrpSpPr>
+      <p:grpSpPr>
+        <a:xfrm>
+          <a:off x="0" y="0"/>
+          <a:ext cx="0" cy="0"/>
+          <a:chOff x="0" y="0"/>
+          <a:chExt cx="0" cy="0"/>
+        </a:xfrm>
+      </p:grpSpPr>
+      <p:sp>
+        <p:nvSpPr>
+          <p:cNvPr id="2" name="Title 1"/>
+          <p:cNvSpPr>
+            <a:spLocks noGrp="1"/>
+          </p:cNvSpPr>
+          <p:nvPr>
+            <p:ph type="title"/>
+          </p:nvPr>
+        </p:nvSpPr>
+        <p:spPr/>
+        <p:txBody>
+          <a:bodyPr/>
+          <a:lstStyle/>
+          <a:p>
+            <a:r>
+              <a:rPr lang="sr-Latn-RS" dirty="0" smtClean="0"/>
+              <a:t>Rezultati studije</a:t>
+            </a:r>
+            <a:endParaRPr lang="en-US" dirty="0"/>
+          </a:p>
+        </p:txBody>
+      </p:sp>
+      <p:sp>
+        <p:nvSpPr>
+          <p:cNvPr id="3" name="Content Placeholder 2"/>
+          <p:cNvSpPr>
+            <a:spLocks noGrp="1"/>
+          </p:cNvSpPr>
+          <p:nvPr>
+            <p:ph idx="1"/>
+          </p:nvPr>
+        </p:nvSpPr>
+        <p:spPr/>
+        <p:txBody>
+          <a:bodyPr/>
+          <a:lstStyle/>
+          <a:p>
+            <a:r>
+              <a:rPr lang="sr-Latn-RS" smtClean="0"/>
+              <a:t>Iako su ukupni rezulati loši, podjednako </a:t>
+            </a:r>
+            <a:r>
+              <a:rPr lang="sr-Latn-RS" dirty="0" smtClean="0"/>
+              <a:t>dobro su se pokazali slučajevi gde se gleda 1 ili 2 prethodna poteza, dok se najgore pokazao slučaj sa 4. Slučajevi sa 3 i 5 posmatranih poteza se nalaze između</a:t>
+            </a:r>
+            <a:r>
+              <a:rPr lang="sr-Latn-RS" dirty="0" smtClean="0"/>
+              <a:t>.</a:t>
+            </a:r>
+          </a:p>
+          <a:p>
+            <a:pPr>
+              <a:buNone/>
+            </a:pPr>
+            <a:endParaRPr lang="sr-Latn-RS" dirty="0" smtClean="0"/>
+          </a:p>
+        </p:txBody>
+      </p:sp>
+    </p:spTree>
+  </p:cSld>
+  <p:clrMapOvr>
+    <a:masterClrMapping/>
+  </p:clrMapOvr>
+</p:sld>
+</file>
+
+<file path=ppt/slides/slide21.xml><?xml version="1.0" encoding="utf-8"?>
+<p:sld xmlns:a="http://schemas.openxmlformats.org/drawingml/2006/main" xmlns:r="http://schemas.openxmlformats.org/officeDocument/2006/relationships" xmlns:p="http://schemas.openxmlformats.org/presentationml/2006/main">
+  <p:cSld>
+    <p:spTree>
+      <p:nvGrpSpPr>
+        <p:cNvPr id="1" name=""/>
+        <p:cNvGrpSpPr/>
+        <p:nvPr/>
+      </p:nvGrpSpPr>
+      <p:grpSpPr>
+        <a:xfrm>
+          <a:off x="0" y="0"/>
+          <a:ext cx="0" cy="0"/>
+          <a:chOff x="0" y="0"/>
+          <a:chExt cx="0" cy="0"/>
+        </a:xfrm>
+      </p:grpSpPr>
+      <p:sp>
+        <p:nvSpPr>
+          <p:cNvPr id="2" name="Title 1"/>
+          <p:cNvSpPr>
+            <a:spLocks noGrp="1"/>
+          </p:cNvSpPr>
+          <p:nvPr>
+            <p:ph type="title"/>
+          </p:nvPr>
+        </p:nvSpPr>
+        <p:spPr/>
+        <p:txBody>
+          <a:bodyPr/>
+          <a:lstStyle/>
+          <a:p>
+            <a:r>
+              <a:rPr lang="sr-Latn-RS" dirty="0" smtClean="0"/>
+              <a:t>Rezultati algoritma</a:t>
+            </a:r>
+            <a:endParaRPr lang="en-US" dirty="0"/>
+          </a:p>
+        </p:txBody>
+      </p:sp>
+      <p:sp>
+        <p:nvSpPr>
+          <p:cNvPr id="3" name="Content Placeholder 2"/>
+          <p:cNvSpPr>
+            <a:spLocks noGrp="1"/>
+          </p:cNvSpPr>
+          <p:nvPr>
+            <p:ph idx="1"/>
+          </p:nvPr>
+        </p:nvSpPr>
+        <p:spPr/>
+        <p:txBody>
+          <a:bodyPr>
+            <a:normAutofit fontScale="92500" lnSpcReduction="10000"/>
+          </a:bodyPr>
+          <a:lstStyle/>
+          <a:p>
+            <a:r>
+              <a:rPr lang="sr-Latn-RS" dirty="0" smtClean="0"/>
+              <a:t>Rezultati su bili </a:t>
+            </a:r>
+            <a:r>
+              <a:rPr lang="sr-Latn-RS" dirty="0" smtClean="0"/>
+              <a:t>nezadovoljavajući u slučaju igranja protiv ljudskog protivnika. </a:t>
+            </a:r>
+            <a:r>
+              <a:rPr lang="sr-Latn-RS" dirty="0" smtClean="0"/>
+              <a:t>Ovaj tip igre sadrži prevelik stepen nasumičnosti</a:t>
+            </a:r>
+            <a:r>
+              <a:rPr lang="en-US" dirty="0" smtClean="0"/>
+              <a:t>, </a:t>
+            </a:r>
+            <a:r>
+              <a:rPr lang="en-US" dirty="0" err="1" smtClean="0"/>
+              <a:t>i</a:t>
+            </a:r>
+            <a:r>
+              <a:rPr lang="en-US" dirty="0" smtClean="0"/>
+              <a:t> </a:t>
+            </a:r>
+            <a:r>
+              <a:rPr lang="sr-Latn-RS" dirty="0" smtClean="0"/>
+              <a:t>međusobni potezi su nepovezani, tako da N-Gram nije efikasan, i igrač je dobijao većinu partija.</a:t>
+            </a:r>
+          </a:p>
+          <a:p>
+            <a:r>
+              <a:rPr lang="sr-Latn-RS" dirty="0" smtClean="0"/>
+              <a:t>Smatramo da bi bolje rezultate dobili ukoliko bismo imali igru u kojoj je veća šansa da će igrač koristiti određene kombinacije učestalo (primer: igra Mortal Combat u kojoj određene kombinacije poteza daju poseban napad)</a:t>
+            </a:r>
+          </a:p>
+        </p:txBody>
+      </p:sp>
     </p:spTree>
   </p:cSld>
   <p:clrMapOvr>

--- a/AI in games.pptx
+++ b/AI in games.pptx
@@ -26,6 +26,11 @@
     <p:sldId id="276" r:id="rId20"/>
     <p:sldId id="271" r:id="rId21"/>
     <p:sldId id="272" r:id="rId22"/>
+    <p:sldId id="277" r:id="rId23"/>
+    <p:sldId id="278" r:id="rId24"/>
+    <p:sldId id="279" r:id="rId25"/>
+    <p:sldId id="281" r:id="rId26"/>
+    <p:sldId id="282" r:id="rId27"/>
   </p:sldIdLst>
   <p:sldSz cx="9144000" cy="6858000" type="screen4x3"/>
   <p:notesSz cx="6858000" cy="9144000"/>
@@ -202,25 +207,25 @@
             </c:numRef>
           </c:val>
         </c:ser>
-        <c:axId val="52454144"/>
-        <c:axId val="52456064"/>
+        <c:axId val="79170560"/>
+        <c:axId val="79176448"/>
       </c:barChart>
       <c:catAx>
-        <c:axId val="52454144"/>
+        <c:axId val="79170560"/>
         <c:scaling>
           <c:orientation val="minMax"/>
         </c:scaling>
         <c:axPos val="b"/>
         <c:numFmt formatCode="General" sourceLinked="1"/>
         <c:tickLblPos val="nextTo"/>
-        <c:crossAx val="52456064"/>
+        <c:crossAx val="79176448"/>
         <c:crosses val="autoZero"/>
         <c:auto val="1"/>
         <c:lblAlgn val="ctr"/>
         <c:lblOffset val="100"/>
       </c:catAx>
       <c:valAx>
-        <c:axId val="52456064"/>
+        <c:axId val="79176448"/>
         <c:scaling>
           <c:orientation val="minMax"/>
         </c:scaling>
@@ -228,7 +233,7 @@
         <c:majorGridlines/>
         <c:numFmt formatCode="General" sourceLinked="1"/>
         <c:tickLblPos val="nextTo"/>
-        <c:crossAx val="52454144"/>
+        <c:crossAx val="79170560"/>
         <c:crosses val="autoZero"/>
         <c:crossBetween val="between"/>
       </c:valAx>
@@ -847,25 +852,25 @@
           </c:val>
         </c:ser>
         <c:marker val="1"/>
-        <c:axId val="52547968"/>
-        <c:axId val="52549888"/>
+        <c:axId val="79224832"/>
+        <c:axId val="79226368"/>
       </c:lineChart>
       <c:catAx>
-        <c:axId val="52547968"/>
+        <c:axId val="79224832"/>
         <c:scaling>
           <c:orientation val="minMax"/>
         </c:scaling>
         <c:axPos val="b"/>
         <c:numFmt formatCode="General" sourceLinked="1"/>
         <c:tickLblPos val="nextTo"/>
-        <c:crossAx val="52549888"/>
+        <c:crossAx val="79226368"/>
         <c:crosses val="autoZero"/>
         <c:auto val="1"/>
         <c:lblAlgn val="ctr"/>
         <c:lblOffset val="100"/>
       </c:catAx>
       <c:valAx>
-        <c:axId val="52549888"/>
+        <c:axId val="79226368"/>
         <c:scaling>
           <c:orientation val="minMax"/>
         </c:scaling>
@@ -873,7 +878,7 @@
         <c:majorGridlines/>
         <c:numFmt formatCode="General" sourceLinked="1"/>
         <c:tickLblPos val="nextTo"/>
-        <c:crossAx val="52547968"/>
+        <c:crossAx val="79224832"/>
         <c:crosses val="autoZero"/>
         <c:crossBetween val="between"/>
       </c:valAx>
@@ -882,6 +887,456 @@
       <c:legendPos val="r"/>
       <c:layout/>
     </c:legend>
+    <c:plotVisOnly val="1"/>
+  </c:chart>
+  <c:txPr>
+    <a:bodyPr/>
+    <a:lstStyle/>
+    <a:p>
+      <a:pPr>
+        <a:defRPr sz="1800"/>
+      </a:pPr>
+      <a:endParaRPr lang="en-US"/>
+    </a:p>
+  </c:txPr>
+  <c:externalData r:id="rId1"/>
+</c:chartSpace>
+</file>
+
+<file path=ppt/charts/chart3.xml><?xml version="1.0" encoding="utf-8"?>
+<c:chartSpace xmlns:c="http://schemas.openxmlformats.org/drawingml/2006/chart" xmlns:a="http://schemas.openxmlformats.org/drawingml/2006/main" xmlns:r="http://schemas.openxmlformats.org/officeDocument/2006/relationships">
+  <c:lang val="en-US"/>
+  <c:chart>
+    <c:autoTitleDeleted val="1"/>
+    <c:plotArea>
+      <c:layout>
+        <c:manualLayout>
+          <c:layoutTarget val="inner"/>
+          <c:xMode val="edge"/>
+          <c:yMode val="edge"/>
+          <c:x val="0.14073115860517435"/>
+          <c:y val="4.1545892713408264E-2"/>
+          <c:w val="0.80017033585087582"/>
+          <c:h val="0.77800760019822079"/>
+        </c:manualLayout>
+      </c:layout>
+      <c:pieChart>
+        <c:varyColors val="1"/>
+        <c:ser>
+          <c:idx val="0"/>
+          <c:order val="0"/>
+          <c:tx>
+            <c:strRef>
+              <c:f>Sheet1!$B$1</c:f>
+              <c:strCache>
+                <c:ptCount val="1"/>
+                <c:pt idx="0">
+                  <c:v>Sales</c:v>
+                </c:pt>
+              </c:strCache>
+            </c:strRef>
+          </c:tx>
+          <c:dLbls>
+            <c:showVal val="1"/>
+            <c:showCatName val="1"/>
+            <c:showLeaderLines val="1"/>
+          </c:dLbls>
+          <c:cat>
+            <c:strRef>
+              <c:f>Sheet1!$A$2:$A$3</c:f>
+              <c:strCache>
+                <c:ptCount val="2"/>
+                <c:pt idx="0">
+                  <c:v>n=2</c:v>
+                </c:pt>
+                <c:pt idx="1">
+                  <c:v>n=3</c:v>
+                </c:pt>
+              </c:strCache>
+            </c:strRef>
+          </c:cat>
+          <c:val>
+            <c:numRef>
+              <c:f>Sheet1!$B$2:$B$3</c:f>
+              <c:numCache>
+                <c:formatCode>General</c:formatCode>
+                <c:ptCount val="2"/>
+                <c:pt idx="0">
+                  <c:v>469</c:v>
+                </c:pt>
+                <c:pt idx="1">
+                  <c:v>531</c:v>
+                </c:pt>
+              </c:numCache>
+            </c:numRef>
+          </c:val>
+        </c:ser>
+        <c:dLbls>
+          <c:showVal val="1"/>
+          <c:showCatName val="1"/>
+        </c:dLbls>
+        <c:firstSliceAng val="0"/>
+      </c:pieChart>
+    </c:plotArea>
+    <c:plotVisOnly val="1"/>
+  </c:chart>
+  <c:txPr>
+    <a:bodyPr/>
+    <a:lstStyle/>
+    <a:p>
+      <a:pPr>
+        <a:defRPr sz="1800"/>
+      </a:pPr>
+      <a:endParaRPr lang="en-US"/>
+    </a:p>
+  </c:txPr>
+  <c:externalData r:id="rId1"/>
+</c:chartSpace>
+</file>
+
+<file path=ppt/charts/chart4.xml><?xml version="1.0" encoding="utf-8"?>
+<c:chartSpace xmlns:c="http://schemas.openxmlformats.org/drawingml/2006/chart" xmlns:a="http://schemas.openxmlformats.org/drawingml/2006/main" xmlns:r="http://schemas.openxmlformats.org/officeDocument/2006/relationships">
+  <c:date1904 val="1"/>
+  <c:lang val="en-US"/>
+  <c:chart>
+    <c:autoTitleDeleted val="1"/>
+    <c:plotArea>
+      <c:layout/>
+      <c:pieChart>
+        <c:varyColors val="1"/>
+        <c:ser>
+          <c:idx val="0"/>
+          <c:order val="0"/>
+          <c:tx>
+            <c:strRef>
+              <c:f>Sheet1!$B$1</c:f>
+              <c:strCache>
+                <c:ptCount val="1"/>
+                <c:pt idx="0">
+                  <c:v>Sales</c:v>
+                </c:pt>
+              </c:strCache>
+            </c:strRef>
+          </c:tx>
+          <c:dLbls>
+            <c:showVal val="1"/>
+            <c:showCatName val="1"/>
+            <c:showLeaderLines val="1"/>
+          </c:dLbls>
+          <c:cat>
+            <c:strRef>
+              <c:f>Sheet1!$A$2:$A$3</c:f>
+              <c:strCache>
+                <c:ptCount val="2"/>
+                <c:pt idx="0">
+                  <c:v>n=4</c:v>
+                </c:pt>
+                <c:pt idx="1">
+                  <c:v>n=5</c:v>
+                </c:pt>
+              </c:strCache>
+            </c:strRef>
+          </c:cat>
+          <c:val>
+            <c:numRef>
+              <c:f>Sheet1!$B$2:$B$3</c:f>
+              <c:numCache>
+                <c:formatCode>General</c:formatCode>
+                <c:ptCount val="2"/>
+                <c:pt idx="0">
+                  <c:v>464</c:v>
+                </c:pt>
+                <c:pt idx="1">
+                  <c:v>536</c:v>
+                </c:pt>
+              </c:numCache>
+            </c:numRef>
+          </c:val>
+        </c:ser>
+        <c:dLbls>
+          <c:showVal val="1"/>
+          <c:showCatName val="1"/>
+        </c:dLbls>
+        <c:firstSliceAng val="0"/>
+      </c:pieChart>
+    </c:plotArea>
+    <c:plotVisOnly val="1"/>
+  </c:chart>
+  <c:txPr>
+    <a:bodyPr/>
+    <a:lstStyle/>
+    <a:p>
+      <a:pPr>
+        <a:defRPr sz="1800"/>
+      </a:pPr>
+      <a:endParaRPr lang="en-US"/>
+    </a:p>
+  </c:txPr>
+  <c:externalData r:id="rId1"/>
+</c:chartSpace>
+</file>
+
+<file path=ppt/charts/chart5.xml><?xml version="1.0" encoding="utf-8"?>
+<c:chartSpace xmlns:c="http://schemas.openxmlformats.org/drawingml/2006/chart" xmlns:a="http://schemas.openxmlformats.org/drawingml/2006/main" xmlns:r="http://schemas.openxmlformats.org/officeDocument/2006/relationships">
+  <c:lang val="en-US"/>
+  <c:chart>
+    <c:autoTitleDeleted val="1"/>
+    <c:plotArea>
+      <c:layout/>
+      <c:pieChart>
+        <c:varyColors val="1"/>
+        <c:dLbls>
+          <c:showVal val="1"/>
+          <c:showCatName val="1"/>
+        </c:dLbls>
+        <c:firstSliceAng val="0"/>
+      </c:pieChart>
+    </c:plotArea>
+    <c:plotVisOnly val="1"/>
+  </c:chart>
+  <c:txPr>
+    <a:bodyPr/>
+    <a:lstStyle/>
+    <a:p>
+      <a:pPr>
+        <a:defRPr sz="1800"/>
+      </a:pPr>
+      <a:endParaRPr lang="en-US"/>
+    </a:p>
+  </c:txPr>
+  <c:externalData r:id="rId1"/>
+</c:chartSpace>
+</file>
+
+<file path=ppt/charts/chart6.xml><?xml version="1.0" encoding="utf-8"?>
+<c:chartSpace xmlns:c="http://schemas.openxmlformats.org/drawingml/2006/chart" xmlns:a="http://schemas.openxmlformats.org/drawingml/2006/main" xmlns:r="http://schemas.openxmlformats.org/officeDocument/2006/relationships">
+  <c:date1904 val="1"/>
+  <c:lang val="en-US"/>
+  <c:chart>
+    <c:autoTitleDeleted val="1"/>
+    <c:plotArea>
+      <c:layout/>
+      <c:pieChart>
+        <c:varyColors val="1"/>
+        <c:ser>
+          <c:idx val="0"/>
+          <c:order val="0"/>
+          <c:tx>
+            <c:strRef>
+              <c:f>Sheet1!$B$1</c:f>
+              <c:strCache>
+                <c:ptCount val="1"/>
+                <c:pt idx="0">
+                  <c:v>Sales</c:v>
+                </c:pt>
+              </c:strCache>
+            </c:strRef>
+          </c:tx>
+          <c:dLbls>
+            <c:showVal val="1"/>
+            <c:showCatName val="1"/>
+            <c:showLeaderLines val="1"/>
+          </c:dLbls>
+          <c:cat>
+            <c:strRef>
+              <c:f>Sheet1!$A$2:$A$3</c:f>
+              <c:strCache>
+                <c:ptCount val="2"/>
+                <c:pt idx="0">
+                  <c:v>n=3</c:v>
+                </c:pt>
+                <c:pt idx="1">
+                  <c:v>n=5</c:v>
+                </c:pt>
+              </c:strCache>
+            </c:strRef>
+          </c:cat>
+          <c:val>
+            <c:numRef>
+              <c:f>Sheet1!$B$2:$B$3</c:f>
+              <c:numCache>
+                <c:formatCode>General</c:formatCode>
+                <c:ptCount val="2"/>
+                <c:pt idx="0">
+                  <c:v>465</c:v>
+                </c:pt>
+                <c:pt idx="1">
+                  <c:v>535</c:v>
+                </c:pt>
+              </c:numCache>
+            </c:numRef>
+          </c:val>
+        </c:ser>
+        <c:dLbls>
+          <c:showVal val="1"/>
+          <c:showCatName val="1"/>
+        </c:dLbls>
+        <c:firstSliceAng val="0"/>
+      </c:pieChart>
+    </c:plotArea>
+    <c:plotVisOnly val="1"/>
+  </c:chart>
+  <c:txPr>
+    <a:bodyPr/>
+    <a:lstStyle/>
+    <a:p>
+      <a:pPr>
+        <a:defRPr sz="1800"/>
+      </a:pPr>
+      <a:endParaRPr lang="en-US"/>
+    </a:p>
+  </c:txPr>
+  <c:externalData r:id="rId1"/>
+</c:chartSpace>
+</file>
+
+<file path=ppt/charts/chart7.xml><?xml version="1.0" encoding="utf-8"?>
+<c:chartSpace xmlns:c="http://schemas.openxmlformats.org/drawingml/2006/chart" xmlns:a="http://schemas.openxmlformats.org/drawingml/2006/main" xmlns:r="http://schemas.openxmlformats.org/officeDocument/2006/relationships">
+  <c:date1904 val="1"/>
+  <c:lang val="en-US"/>
+  <c:chart>
+    <c:autoTitleDeleted val="1"/>
+    <c:plotArea>
+      <c:layout/>
+      <c:pieChart>
+        <c:varyColors val="1"/>
+        <c:ser>
+          <c:idx val="0"/>
+          <c:order val="0"/>
+          <c:tx>
+            <c:strRef>
+              <c:f>Sheet1!$B$1</c:f>
+              <c:strCache>
+                <c:ptCount val="1"/>
+                <c:pt idx="0">
+                  <c:v>Sales</c:v>
+                </c:pt>
+              </c:strCache>
+            </c:strRef>
+          </c:tx>
+          <c:dLbls>
+            <c:showVal val="1"/>
+            <c:showCatName val="1"/>
+            <c:showLeaderLines val="1"/>
+          </c:dLbls>
+          <c:cat>
+            <c:strRef>
+              <c:f>Sheet1!$A$2:$A$3</c:f>
+              <c:strCache>
+                <c:ptCount val="2"/>
+                <c:pt idx="0">
+                  <c:v>n=5</c:v>
+                </c:pt>
+                <c:pt idx="1">
+                  <c:v>n=6</c:v>
+                </c:pt>
+              </c:strCache>
+            </c:strRef>
+          </c:cat>
+          <c:val>
+            <c:numRef>
+              <c:f>Sheet1!$B$2:$B$3</c:f>
+              <c:numCache>
+                <c:formatCode>General</c:formatCode>
+                <c:ptCount val="2"/>
+                <c:pt idx="0">
+                  <c:v>451</c:v>
+                </c:pt>
+                <c:pt idx="1">
+                  <c:v>549</c:v>
+                </c:pt>
+              </c:numCache>
+            </c:numRef>
+          </c:val>
+        </c:ser>
+        <c:dLbls>
+          <c:showVal val="1"/>
+          <c:showCatName val="1"/>
+        </c:dLbls>
+        <c:firstSliceAng val="0"/>
+      </c:pieChart>
+    </c:plotArea>
+    <c:plotVisOnly val="1"/>
+  </c:chart>
+  <c:txPr>
+    <a:bodyPr/>
+    <a:lstStyle/>
+    <a:p>
+      <a:pPr>
+        <a:defRPr sz="1800"/>
+      </a:pPr>
+      <a:endParaRPr lang="en-US"/>
+    </a:p>
+  </c:txPr>
+  <c:externalData r:id="rId1"/>
+</c:chartSpace>
+</file>
+
+<file path=ppt/charts/chart8.xml><?xml version="1.0" encoding="utf-8"?>
+<c:chartSpace xmlns:c="http://schemas.openxmlformats.org/drawingml/2006/chart" xmlns:a="http://schemas.openxmlformats.org/drawingml/2006/main" xmlns:r="http://schemas.openxmlformats.org/officeDocument/2006/relationships">
+  <c:lang val="en-US"/>
+  <c:chart>
+    <c:autoTitleDeleted val="1"/>
+    <c:plotArea>
+      <c:layout/>
+      <c:pieChart>
+        <c:varyColors val="1"/>
+        <c:ser>
+          <c:idx val="0"/>
+          <c:order val="0"/>
+          <c:tx>
+            <c:strRef>
+              <c:f>Sheet1!$B$1</c:f>
+              <c:strCache>
+                <c:ptCount val="1"/>
+                <c:pt idx="0">
+                  <c:v>Sales</c:v>
+                </c:pt>
+              </c:strCache>
+            </c:strRef>
+          </c:tx>
+          <c:dLbls>
+            <c:showVal val="1"/>
+            <c:showCatName val="1"/>
+            <c:showLeaderLines val="1"/>
+          </c:dLbls>
+          <c:cat>
+            <c:strRef>
+              <c:f>Sheet1!$A$2:$A$3</c:f>
+              <c:strCache>
+                <c:ptCount val="2"/>
+                <c:pt idx="0">
+                  <c:v>n=6</c:v>
+                </c:pt>
+                <c:pt idx="1">
+                  <c:v>n=7</c:v>
+                </c:pt>
+              </c:strCache>
+            </c:strRef>
+          </c:cat>
+          <c:val>
+            <c:numRef>
+              <c:f>Sheet1!$B$2:$B$3</c:f>
+              <c:numCache>
+                <c:formatCode>General</c:formatCode>
+                <c:ptCount val="2"/>
+                <c:pt idx="0">
+                  <c:v>470</c:v>
+                </c:pt>
+                <c:pt idx="1">
+                  <c:v>530</c:v>
+                </c:pt>
+              </c:numCache>
+            </c:numRef>
+          </c:val>
+        </c:ser>
+        <c:dLbls>
+          <c:showVal val="1"/>
+          <c:showCatName val="1"/>
+        </c:dLbls>
+        <c:firstSliceAng val="0"/>
+      </c:pieChart>
+    </c:plotArea>
     <c:plotVisOnly val="1"/>
   </c:chart>
   <c:txPr>
@@ -4568,41 +5023,33 @@
           <a:p>
             <a:r>
               <a:rPr lang="sr-Latn-RS" dirty="0" smtClean="0"/>
-              <a:t>Studija – rezultati za različit broj poteza </a:t>
-            </a:r>
+              <a:t>Studija – rezultati za različit broj poteza posmatranih u igri protiv ljudskog protivnika</a:t>
+            </a:r>
+            <a:endParaRPr lang="en-US" dirty="0"/>
+          </a:p>
+        </p:txBody>
+      </p:sp>
+      <p:sp>
+        <p:nvSpPr>
+          <p:cNvPr id="3" name="Content Placeholder 2"/>
+          <p:cNvSpPr>
+            <a:spLocks noGrp="1"/>
+          </p:cNvSpPr>
+          <p:nvPr>
+            <p:ph idx="1"/>
+          </p:nvPr>
+        </p:nvSpPr>
+        <p:spPr/>
+        <p:txBody>
+          <a:bodyPr/>
+          <a:lstStyle/>
+          <a:p>
+            <a:endParaRPr lang="sr-Latn-RS" dirty="0" smtClean="0"/>
+          </a:p>
+          <a:p>
             <a:r>
               <a:rPr lang="sr-Latn-RS" dirty="0" smtClean="0"/>
-              <a:t>posmatranih u igri protiv ljudskog protivnika</a:t>
-            </a:r>
-            <a:endParaRPr lang="en-US" dirty="0"/>
-          </a:p>
-        </p:txBody>
-      </p:sp>
-      <p:sp>
-        <p:nvSpPr>
-          <p:cNvPr id="3" name="Content Placeholder 2"/>
-          <p:cNvSpPr>
-            <a:spLocks noGrp="1"/>
-          </p:cNvSpPr>
-          <p:nvPr>
-            <p:ph idx="1"/>
-          </p:nvPr>
-        </p:nvSpPr>
-        <p:spPr/>
-        <p:txBody>
-          <a:bodyPr/>
-          <a:lstStyle/>
-          <a:p>
-            <a:endParaRPr lang="sr-Latn-RS" dirty="0" smtClean="0"/>
-          </a:p>
-          <a:p>
-            <a:r>
-              <a:rPr lang="sr-Latn-RS" dirty="0" smtClean="0"/>
-              <a:t>Hteli </a:t>
-            </a:r>
-            <a:r>
-              <a:rPr lang="sr-Latn-RS" dirty="0" smtClean="0"/>
-              <a:t>smo da utvrdimo koji je optimalan broj poteza koji treba da se upoređuje sa prethodnim partijama</a:t>
+              <a:t>Hteli smo da utvrdimo koji je optimalan broj poteza koji treba da se upoređuje sa prethodnim partijama</a:t>
             </a:r>
           </a:p>
           <a:p>
@@ -4932,7 +5379,31 @@
           <a:p>
             <a:r>
               <a:rPr lang="sr-Latn-RS" dirty="0" smtClean="0"/>
-              <a:t>Rezultati studije</a:t>
+              <a:t>Rezultati </a:t>
+            </a:r>
+            <a:r>
+              <a:rPr lang="sr-Latn-RS" dirty="0" smtClean="0"/>
+              <a:t>studije</a:t>
+            </a:r>
+            <a:r>
+              <a:rPr lang="en-US" dirty="0" smtClean="0"/>
+              <a:t> </a:t>
+            </a:r>
+            <a:r>
+              <a:rPr lang="en-US" dirty="0" err="1" smtClean="0"/>
+              <a:t>protiv</a:t>
+            </a:r>
+            <a:r>
+              <a:rPr lang="en-US" dirty="0" smtClean="0"/>
+              <a:t> </a:t>
+            </a:r>
+            <a:r>
+              <a:rPr lang="en-US" dirty="0" err="1" smtClean="0"/>
+              <a:t>igra</a:t>
+            </a:r>
+            <a:r>
+              <a:rPr lang="sr-Latn-RS" dirty="0" smtClean="0"/>
+              <a:t>ča</a:t>
             </a:r>
             <a:endParaRPr lang="en-US" dirty="0"/>
           </a:p>
@@ -4959,11 +5430,7 @@
             </a:r>
             <a:r>
               <a:rPr lang="sr-Latn-RS" dirty="0" smtClean="0"/>
-              <a:t>dobro su se pokazali slučajevi gde se gleda 1 ili 2 prethodna poteza, dok se najgore pokazao slučaj sa 4. Slučajevi sa 3 i 5 posmatranih poteza se nalaze između</a:t>
-            </a:r>
-            <a:r>
-              <a:rPr lang="sr-Latn-RS" dirty="0" smtClean="0"/>
-              <a:t>.</a:t>
+              <a:t>dobro su se pokazali slučajevi gde se gleda 1 ili 2 prethodna poteza, dok se najgore pokazao slučaj sa 4. Slučajevi sa 3 i 5 posmatranih poteza se nalaze između.</a:t>
             </a:r>
           </a:p>
           <a:p>
@@ -5016,7 +5483,11 @@
           <a:p>
             <a:r>
               <a:rPr lang="sr-Latn-RS" dirty="0" smtClean="0"/>
-              <a:t>Rezultati algoritma</a:t>
+              <a:t>Rezultati </a:t>
+            </a:r>
+            <a:r>
+              <a:rPr lang="sr-Latn-RS" dirty="0" smtClean="0"/>
+              <a:t>algoritma protiv igrača</a:t>
             </a:r>
             <a:endParaRPr lang="en-US" dirty="0"/>
           </a:p>
@@ -5041,15 +5512,7 @@
           <a:p>
             <a:r>
               <a:rPr lang="sr-Latn-RS" dirty="0" smtClean="0"/>
-              <a:t>Rezultati su bili </a:t>
-            </a:r>
-            <a:r>
-              <a:rPr lang="sr-Latn-RS" dirty="0" smtClean="0"/>
-              <a:t>nezadovoljavajući u slučaju igranja protiv ljudskog protivnika. </a:t>
-            </a:r>
-            <a:r>
-              <a:rPr lang="sr-Latn-RS" dirty="0" smtClean="0"/>
-              <a:t>Ovaj tip igre sadrži prevelik stepen nasumičnosti</a:t>
+              <a:t>Rezultati su bili nezadovoljavajući u slučaju igranja protiv ljudskog protivnika. Ovaj tip igre sadrži prevelik stepen nasumičnosti</a:t>
             </a:r>
             <a:r>
               <a:rPr lang="en-US" dirty="0" smtClean="0"/>
@@ -5073,6 +5536,434 @@
               <a:rPr lang="sr-Latn-RS" dirty="0" smtClean="0"/>
               <a:t>Smatramo da bi bolje rezultate dobili ukoliko bismo imali igru u kojoj je veća šansa da će igrač koristiti određene kombinacije učestalo (primer: igra Mortal Combat u kojoj određene kombinacije poteza daju poseban napad)</a:t>
             </a:r>
+          </a:p>
+        </p:txBody>
+      </p:sp>
+    </p:spTree>
+  </p:cSld>
+  <p:clrMapOvr>
+    <a:masterClrMapping/>
+  </p:clrMapOvr>
+</p:sld>
+</file>
+
+<file path=ppt/slides/slide22.xml><?xml version="1.0" encoding="utf-8"?>
+<p:sld xmlns:a="http://schemas.openxmlformats.org/drawingml/2006/main" xmlns:r="http://schemas.openxmlformats.org/officeDocument/2006/relationships" xmlns:p="http://schemas.openxmlformats.org/presentationml/2006/main">
+  <p:cSld>
+    <p:spTree>
+      <p:nvGrpSpPr>
+        <p:cNvPr id="1" name=""/>
+        <p:cNvGrpSpPr/>
+        <p:nvPr/>
+      </p:nvGrpSpPr>
+      <p:grpSpPr>
+        <a:xfrm>
+          <a:off x="0" y="0"/>
+          <a:ext cx="0" cy="0"/>
+          <a:chOff x="0" y="0"/>
+          <a:chExt cx="0" cy="0"/>
+        </a:xfrm>
+      </p:grpSpPr>
+      <p:sp>
+        <p:nvSpPr>
+          <p:cNvPr id="2" name="Title 1"/>
+          <p:cNvSpPr>
+            <a:spLocks noGrp="1"/>
+          </p:cNvSpPr>
+          <p:nvPr>
+            <p:ph type="title"/>
+          </p:nvPr>
+        </p:nvSpPr>
+        <p:spPr/>
+        <p:txBody>
+          <a:bodyPr>
+            <a:normAutofit/>
+          </a:bodyPr>
+          <a:lstStyle/>
+          <a:p>
+            <a:r>
+              <a:rPr lang="sr-Latn-RS" dirty="0" smtClean="0"/>
+              <a:t>Studija algoritma za različite korake</a:t>
+            </a:r>
+            <a:endParaRPr lang="en-US" dirty="0"/>
+          </a:p>
+        </p:txBody>
+      </p:sp>
+      <p:sp>
+        <p:nvSpPr>
+          <p:cNvPr id="3" name="Content Placeholder 2"/>
+          <p:cNvSpPr>
+            <a:spLocks noGrp="1"/>
+          </p:cNvSpPr>
+          <p:nvPr>
+            <p:ph idx="1"/>
+          </p:nvPr>
+        </p:nvSpPr>
+        <p:spPr/>
+        <p:txBody>
+          <a:bodyPr/>
+          <a:lstStyle/>
+          <a:p>
+            <a:r>
+              <a:rPr lang="sr-Latn-RS" dirty="0" smtClean="0"/>
+              <a:t>Da bi se videlo koji je korak za algoritam najefikasniji, suočio sam algoritam sa samim sobom, ali sa različitim korakom</a:t>
+            </a:r>
+          </a:p>
+          <a:p>
+            <a:r>
+              <a:rPr lang="sr-Latn-RS" dirty="0" smtClean="0"/>
+              <a:t>Stavljeno je da se odigra 1000 puta 1000 partija, i vidi za koje “n” su najbolji rezultati</a:t>
+            </a:r>
+            <a:endParaRPr lang="en-US" dirty="0"/>
+          </a:p>
+        </p:txBody>
+      </p:sp>
+    </p:spTree>
+  </p:cSld>
+  <p:clrMapOvr>
+    <a:masterClrMapping/>
+  </p:clrMapOvr>
+</p:sld>
+</file>
+
+<file path=ppt/slides/slide23.xml><?xml version="1.0" encoding="utf-8"?>
+<p:sld xmlns:a="http://schemas.openxmlformats.org/drawingml/2006/main" xmlns:r="http://schemas.openxmlformats.org/officeDocument/2006/relationships" xmlns:p="http://schemas.openxmlformats.org/presentationml/2006/main">
+  <p:cSld>
+    <p:spTree>
+      <p:nvGrpSpPr>
+        <p:cNvPr id="1" name=""/>
+        <p:cNvGrpSpPr/>
+        <p:nvPr/>
+      </p:nvGrpSpPr>
+      <p:grpSpPr>
+        <a:xfrm>
+          <a:off x="0" y="0"/>
+          <a:ext cx="0" cy="0"/>
+          <a:chOff x="0" y="0"/>
+          <a:chExt cx="0" cy="0"/>
+        </a:xfrm>
+      </p:grpSpPr>
+      <p:sp>
+        <p:nvSpPr>
+          <p:cNvPr id="2" name="Title 1"/>
+          <p:cNvSpPr>
+            <a:spLocks noGrp="1"/>
+          </p:cNvSpPr>
+          <p:nvPr>
+            <p:ph type="title"/>
+          </p:nvPr>
+        </p:nvSpPr>
+        <p:spPr/>
+        <p:txBody>
+          <a:bodyPr>
+            <a:normAutofit fontScale="90000"/>
+          </a:bodyPr>
+          <a:lstStyle/>
+          <a:p>
+            <a:r>
+              <a:rPr lang="sr-Latn-RS" dirty="0" smtClean="0"/>
+              <a:t>Rezultati</a:t>
+            </a:r>
+            <a:r>
+              <a:rPr lang="en-US" dirty="0" smtClean="0"/>
+              <a:t/>
+            </a:r>
+            <a:br>
+              <a:rPr lang="en-US" dirty="0" smtClean="0"/>
+            </a:br>
+            <a:endParaRPr lang="en-US" dirty="0"/>
+          </a:p>
+        </p:txBody>
+      </p:sp>
+      <p:graphicFrame>
+        <p:nvGraphicFramePr>
+          <p:cNvPr id="4" name="Content Placeholder 3"/>
+          <p:cNvGraphicFramePr>
+            <a:graphicFrameLocks noGrp="1"/>
+          </p:cNvGraphicFramePr>
+          <p:nvPr>
+            <p:ph idx="1"/>
+          </p:nvPr>
+        </p:nvGraphicFramePr>
+        <p:xfrm>
+          <a:off x="457200" y="2286000"/>
+          <a:ext cx="3733800" cy="3840163"/>
+        </p:xfrm>
+        <a:graphic>
+          <a:graphicData uri="http://schemas.openxmlformats.org/drawingml/2006/chart">
+            <c:chart xmlns:c="http://schemas.openxmlformats.org/drawingml/2006/chart" xmlns:r="http://schemas.openxmlformats.org/officeDocument/2006/relationships" r:id="rId2"/>
+          </a:graphicData>
+        </a:graphic>
+      </p:graphicFrame>
+      <p:graphicFrame>
+        <p:nvGraphicFramePr>
+          <p:cNvPr id="5" name="Content Placeholder 3"/>
+          <p:cNvGraphicFramePr>
+            <a:graphicFrameLocks/>
+          </p:cNvGraphicFramePr>
+          <p:nvPr/>
+        </p:nvGraphicFramePr>
+        <p:xfrm>
+          <a:off x="4724400" y="1676400"/>
+          <a:ext cx="3581400" cy="4373563"/>
+        </p:xfrm>
+        <a:graphic>
+          <a:graphicData uri="http://schemas.openxmlformats.org/drawingml/2006/chart">
+            <c:chart xmlns:c="http://schemas.openxmlformats.org/drawingml/2006/chart" xmlns:r="http://schemas.openxmlformats.org/officeDocument/2006/relationships" r:id="rId3"/>
+          </a:graphicData>
+        </a:graphic>
+      </p:graphicFrame>
+    </p:spTree>
+  </p:cSld>
+  <p:clrMapOvr>
+    <a:masterClrMapping/>
+  </p:clrMapOvr>
+</p:sld>
+</file>
+
+<file path=ppt/slides/slide24.xml><?xml version="1.0" encoding="utf-8"?>
+<p:sld xmlns:a="http://schemas.openxmlformats.org/drawingml/2006/main" xmlns:r="http://schemas.openxmlformats.org/officeDocument/2006/relationships" xmlns:p="http://schemas.openxmlformats.org/presentationml/2006/main">
+  <p:cSld>
+    <p:spTree>
+      <p:nvGrpSpPr>
+        <p:cNvPr id="1" name=""/>
+        <p:cNvGrpSpPr/>
+        <p:nvPr/>
+      </p:nvGrpSpPr>
+      <p:grpSpPr>
+        <a:xfrm>
+          <a:off x="0" y="0"/>
+          <a:ext cx="0" cy="0"/>
+          <a:chOff x="0" y="0"/>
+          <a:chExt cx="0" cy="0"/>
+        </a:xfrm>
+      </p:grpSpPr>
+      <p:sp>
+        <p:nvSpPr>
+          <p:cNvPr id="2" name="Title 1"/>
+          <p:cNvSpPr>
+            <a:spLocks noGrp="1"/>
+          </p:cNvSpPr>
+          <p:nvPr>
+            <p:ph type="title"/>
+          </p:nvPr>
+        </p:nvSpPr>
+        <p:spPr/>
+        <p:txBody>
+          <a:bodyPr>
+            <a:normAutofit fontScale="90000"/>
+          </a:bodyPr>
+          <a:lstStyle/>
+          <a:p>
+            <a:r>
+              <a:rPr lang="en-US" dirty="0" err="1" smtClean="0"/>
+              <a:t>Rezultati</a:t>
+            </a:r>
+            <a:r>
+              <a:rPr lang="en-US" dirty="0" smtClean="0"/>
+              <a:t/>
+            </a:r>
+            <a:br>
+              <a:rPr lang="en-US" dirty="0" smtClean="0"/>
+            </a:br>
+            <a:endParaRPr lang="en-US" dirty="0"/>
+          </a:p>
+        </p:txBody>
+      </p:sp>
+      <p:graphicFrame>
+        <p:nvGraphicFramePr>
+          <p:cNvPr id="4" name="Content Placeholder 3"/>
+          <p:cNvGraphicFramePr>
+            <a:graphicFrameLocks noGrp="1"/>
+          </p:cNvGraphicFramePr>
+          <p:nvPr>
+            <p:ph idx="1"/>
+          </p:nvPr>
+        </p:nvGraphicFramePr>
+        <p:xfrm>
+          <a:off x="457200" y="1828800"/>
+          <a:ext cx="3352800" cy="4297363"/>
+        </p:xfrm>
+        <a:graphic>
+          <a:graphicData uri="http://schemas.openxmlformats.org/drawingml/2006/chart">
+            <c:chart xmlns:c="http://schemas.openxmlformats.org/drawingml/2006/chart" xmlns:r="http://schemas.openxmlformats.org/officeDocument/2006/relationships" r:id="rId2"/>
+          </a:graphicData>
+        </a:graphic>
+      </p:graphicFrame>
+      <p:graphicFrame>
+        <p:nvGraphicFramePr>
+          <p:cNvPr id="5" name="Content Placeholder 3"/>
+          <p:cNvGraphicFramePr>
+            <a:graphicFrameLocks/>
+          </p:cNvGraphicFramePr>
+          <p:nvPr/>
+        </p:nvGraphicFramePr>
+        <p:xfrm>
+          <a:off x="609600" y="2057400"/>
+          <a:ext cx="3733800" cy="3459163"/>
+        </p:xfrm>
+        <a:graphic>
+          <a:graphicData uri="http://schemas.openxmlformats.org/drawingml/2006/chart">
+            <c:chart xmlns:c="http://schemas.openxmlformats.org/drawingml/2006/chart" xmlns:r="http://schemas.openxmlformats.org/officeDocument/2006/relationships" r:id="rId3"/>
+          </a:graphicData>
+        </a:graphic>
+      </p:graphicFrame>
+      <p:graphicFrame>
+        <p:nvGraphicFramePr>
+          <p:cNvPr id="8" name="Content Placeholder 3"/>
+          <p:cNvGraphicFramePr>
+            <a:graphicFrameLocks/>
+          </p:cNvGraphicFramePr>
+          <p:nvPr/>
+        </p:nvGraphicFramePr>
+        <p:xfrm>
+          <a:off x="4572000" y="2133600"/>
+          <a:ext cx="3429000" cy="3306763"/>
+        </p:xfrm>
+        <a:graphic>
+          <a:graphicData uri="http://schemas.openxmlformats.org/drawingml/2006/chart">
+            <c:chart xmlns:c="http://schemas.openxmlformats.org/drawingml/2006/chart" xmlns:r="http://schemas.openxmlformats.org/officeDocument/2006/relationships" r:id="rId4"/>
+          </a:graphicData>
+        </a:graphic>
+      </p:graphicFrame>
+    </p:spTree>
+  </p:cSld>
+  <p:clrMapOvr>
+    <a:masterClrMapping/>
+  </p:clrMapOvr>
+</p:sld>
+</file>
+
+<file path=ppt/slides/slide25.xml><?xml version="1.0" encoding="utf-8"?>
+<p:sld xmlns:a="http://schemas.openxmlformats.org/drawingml/2006/main" xmlns:r="http://schemas.openxmlformats.org/officeDocument/2006/relationships" xmlns:p="http://schemas.openxmlformats.org/presentationml/2006/main">
+  <p:cSld>
+    <p:spTree>
+      <p:nvGrpSpPr>
+        <p:cNvPr id="1" name=""/>
+        <p:cNvGrpSpPr/>
+        <p:nvPr/>
+      </p:nvGrpSpPr>
+      <p:grpSpPr>
+        <a:xfrm>
+          <a:off x="0" y="0"/>
+          <a:ext cx="0" cy="0"/>
+          <a:chOff x="0" y="0"/>
+          <a:chExt cx="0" cy="0"/>
+        </a:xfrm>
+      </p:grpSpPr>
+      <p:sp>
+        <p:nvSpPr>
+          <p:cNvPr id="2" name="Title 1"/>
+          <p:cNvSpPr>
+            <a:spLocks noGrp="1"/>
+          </p:cNvSpPr>
+          <p:nvPr>
+            <p:ph type="title"/>
+          </p:nvPr>
+        </p:nvSpPr>
+        <p:spPr/>
+        <p:txBody>
+          <a:bodyPr/>
+          <a:lstStyle/>
+          <a:p>
+            <a:r>
+              <a:rPr lang="en-US" dirty="0" err="1" smtClean="0"/>
+              <a:t>Rezultati</a:t>
+            </a:r>
+            <a:endParaRPr lang="en-US" dirty="0"/>
+          </a:p>
+        </p:txBody>
+      </p:sp>
+      <p:graphicFrame>
+        <p:nvGraphicFramePr>
+          <p:cNvPr id="6" name="Content Placeholder 5"/>
+          <p:cNvGraphicFramePr>
+            <a:graphicFrameLocks noGrp="1"/>
+          </p:cNvGraphicFramePr>
+          <p:nvPr>
+            <p:ph idx="1"/>
+          </p:nvPr>
+        </p:nvGraphicFramePr>
+        <p:xfrm>
+          <a:off x="457200" y="1600200"/>
+          <a:ext cx="8229600" cy="4525963"/>
+        </p:xfrm>
+        <a:graphic>
+          <a:graphicData uri="http://schemas.openxmlformats.org/drawingml/2006/chart">
+            <c:chart xmlns:c="http://schemas.openxmlformats.org/drawingml/2006/chart" xmlns:r="http://schemas.openxmlformats.org/officeDocument/2006/relationships" r:id="rId2"/>
+          </a:graphicData>
+        </a:graphic>
+      </p:graphicFrame>
+    </p:spTree>
+  </p:cSld>
+  <p:clrMapOvr>
+    <a:masterClrMapping/>
+  </p:clrMapOvr>
+</p:sld>
+</file>
+
+<file path=ppt/slides/slide26.xml><?xml version="1.0" encoding="utf-8"?>
+<p:sld xmlns:a="http://schemas.openxmlformats.org/drawingml/2006/main" xmlns:r="http://schemas.openxmlformats.org/officeDocument/2006/relationships" xmlns:p="http://schemas.openxmlformats.org/presentationml/2006/main">
+  <p:cSld>
+    <p:spTree>
+      <p:nvGrpSpPr>
+        <p:cNvPr id="1" name=""/>
+        <p:cNvGrpSpPr/>
+        <p:nvPr/>
+      </p:nvGrpSpPr>
+      <p:grpSpPr>
+        <a:xfrm>
+          <a:off x="0" y="0"/>
+          <a:ext cx="0" cy="0"/>
+          <a:chOff x="0" y="0"/>
+          <a:chExt cx="0" cy="0"/>
+        </a:xfrm>
+      </p:grpSpPr>
+      <p:sp>
+        <p:nvSpPr>
+          <p:cNvPr id="2" name="Title 1"/>
+          <p:cNvSpPr>
+            <a:spLocks noGrp="1"/>
+          </p:cNvSpPr>
+          <p:nvPr>
+            <p:ph type="title"/>
+          </p:nvPr>
+        </p:nvSpPr>
+        <p:spPr/>
+        <p:txBody>
+          <a:bodyPr>
+            <a:normAutofit fontScale="90000"/>
+          </a:bodyPr>
+          <a:lstStyle/>
+          <a:p>
+            <a:r>
+              <a:rPr lang="sr-Latn-RS" dirty="0" smtClean="0"/>
+              <a:t>Rezultati studije bez ljudskog faktora</a:t>
+            </a:r>
+            <a:endParaRPr lang="en-US" dirty="0"/>
+          </a:p>
+        </p:txBody>
+      </p:sp>
+      <p:sp>
+        <p:nvSpPr>
+          <p:cNvPr id="3" name="Content Placeholder 2"/>
+          <p:cNvSpPr>
+            <a:spLocks noGrp="1"/>
+          </p:cNvSpPr>
+          <p:nvPr>
+            <p:ph idx="1"/>
+          </p:nvPr>
+        </p:nvSpPr>
+        <p:spPr/>
+        <p:txBody>
+          <a:bodyPr/>
+          <a:lstStyle/>
+          <a:p>
+            <a:r>
+              <a:rPr lang="sr-Latn-RS" dirty="0" smtClean="0"/>
+              <a:t>Kada upoređujemo algoritam sa različitim brojem poteza koje pamti, primeti se da za veće “n” algoritam češće pobedi, iako ne bude ogromna razlika</a:t>
+            </a:r>
+            <a:endParaRPr lang="en-US" dirty="0"/>
           </a:p>
         </p:txBody>
       </p:sp>

--- a/AI in games.pptx
+++ b/AI in games.pptx
@@ -30,7 +30,10 @@
     <p:sldId id="278" r:id="rId24"/>
     <p:sldId id="279" r:id="rId25"/>
     <p:sldId id="281" r:id="rId26"/>
-    <p:sldId id="282" r:id="rId27"/>
+    <p:sldId id="283" r:id="rId27"/>
+    <p:sldId id="284" r:id="rId28"/>
+    <p:sldId id="282" r:id="rId29"/>
+    <p:sldId id="285" r:id="rId30"/>
   </p:sldIdLst>
   <p:sldSz cx="9144000" cy="6858000" type="screen4x3"/>
   <p:notesSz cx="6858000" cy="9144000"/>
@@ -207,25 +210,25 @@
             </c:numRef>
           </c:val>
         </c:ser>
-        <c:axId val="79170560"/>
-        <c:axId val="79176448"/>
+        <c:axId val="84232832"/>
+        <c:axId val="84238720"/>
       </c:barChart>
       <c:catAx>
-        <c:axId val="79170560"/>
+        <c:axId val="84232832"/>
         <c:scaling>
           <c:orientation val="minMax"/>
         </c:scaling>
         <c:axPos val="b"/>
         <c:numFmt formatCode="General" sourceLinked="1"/>
         <c:tickLblPos val="nextTo"/>
-        <c:crossAx val="79176448"/>
+        <c:crossAx val="84238720"/>
         <c:crosses val="autoZero"/>
         <c:auto val="1"/>
         <c:lblAlgn val="ctr"/>
         <c:lblOffset val="100"/>
       </c:catAx>
       <c:valAx>
-        <c:axId val="79176448"/>
+        <c:axId val="84238720"/>
         <c:scaling>
           <c:orientation val="minMax"/>
         </c:scaling>
@@ -233,7 +236,7 @@
         <c:majorGridlines/>
         <c:numFmt formatCode="General" sourceLinked="1"/>
         <c:tickLblPos val="nextTo"/>
-        <c:crossAx val="79170560"/>
+        <c:crossAx val="84232832"/>
         <c:crosses val="autoZero"/>
         <c:crossBetween val="between"/>
       </c:valAx>
@@ -242,6 +245,249 @@
       <c:legendPos val="r"/>
       <c:layout/>
     </c:legend>
+    <c:plotVisOnly val="1"/>
+  </c:chart>
+  <c:txPr>
+    <a:bodyPr/>
+    <a:lstStyle/>
+    <a:p>
+      <a:pPr>
+        <a:defRPr sz="1800"/>
+      </a:pPr>
+      <a:endParaRPr lang="en-US"/>
+    </a:p>
+  </c:txPr>
+  <c:externalData r:id="rId1"/>
+</c:chartSpace>
+</file>
+
+<file path=ppt/charts/chart10.xml><?xml version="1.0" encoding="utf-8"?>
+<c:chartSpace xmlns:c="http://schemas.openxmlformats.org/drawingml/2006/chart" xmlns:a="http://schemas.openxmlformats.org/drawingml/2006/main" xmlns:r="http://schemas.openxmlformats.org/officeDocument/2006/relationships">
+  <c:lang val="en-US"/>
+  <c:chart>
+    <c:autoTitleDeleted val="1"/>
+    <c:plotArea>
+      <c:layout/>
+      <c:pieChart>
+        <c:varyColors val="1"/>
+        <c:ser>
+          <c:idx val="0"/>
+          <c:order val="0"/>
+          <c:tx>
+            <c:strRef>
+              <c:f>Sheet1!$B$1</c:f>
+              <c:strCache>
+                <c:ptCount val="1"/>
+                <c:pt idx="0">
+                  <c:v>Sales</c:v>
+                </c:pt>
+              </c:strCache>
+            </c:strRef>
+          </c:tx>
+          <c:dLbls>
+            <c:showVal val="1"/>
+            <c:showCatName val="1"/>
+            <c:showLeaderLines val="1"/>
+          </c:dLbls>
+          <c:cat>
+            <c:strRef>
+              <c:f>Sheet1!$A$2:$A$3</c:f>
+              <c:strCache>
+                <c:ptCount val="2"/>
+                <c:pt idx="0">
+                  <c:v>n=3</c:v>
+                </c:pt>
+                <c:pt idx="1">
+                  <c:v>n=7</c:v>
+                </c:pt>
+              </c:strCache>
+            </c:strRef>
+          </c:cat>
+          <c:val>
+            <c:numRef>
+              <c:f>Sheet1!$B$2:$B$3</c:f>
+              <c:numCache>
+                <c:formatCode>General</c:formatCode>
+                <c:ptCount val="2"/>
+                <c:pt idx="0">
+                  <c:v>469</c:v>
+                </c:pt>
+                <c:pt idx="1">
+                  <c:v>531</c:v>
+                </c:pt>
+              </c:numCache>
+            </c:numRef>
+          </c:val>
+        </c:ser>
+        <c:dLbls>
+          <c:showVal val="1"/>
+          <c:showCatName val="1"/>
+        </c:dLbls>
+        <c:firstSliceAng val="0"/>
+      </c:pieChart>
+    </c:plotArea>
+    <c:plotVisOnly val="1"/>
+  </c:chart>
+  <c:txPr>
+    <a:bodyPr/>
+    <a:lstStyle/>
+    <a:p>
+      <a:pPr>
+        <a:defRPr sz="1800"/>
+      </a:pPr>
+      <a:endParaRPr lang="en-US"/>
+    </a:p>
+  </c:txPr>
+  <c:externalData r:id="rId1"/>
+</c:chartSpace>
+</file>
+
+<file path=ppt/charts/chart11.xml><?xml version="1.0" encoding="utf-8"?>
+<c:chartSpace xmlns:c="http://schemas.openxmlformats.org/drawingml/2006/chart" xmlns:a="http://schemas.openxmlformats.org/drawingml/2006/main" xmlns:r="http://schemas.openxmlformats.org/officeDocument/2006/relationships">
+  <c:lang val="en-US"/>
+  <c:chart>
+    <c:autoTitleDeleted val="1"/>
+    <c:plotArea>
+      <c:layout/>
+      <c:pieChart>
+        <c:varyColors val="1"/>
+        <c:ser>
+          <c:idx val="0"/>
+          <c:order val="0"/>
+          <c:tx>
+            <c:strRef>
+              <c:f>Sheet1!$B$1</c:f>
+              <c:strCache>
+                <c:ptCount val="1"/>
+                <c:pt idx="0">
+                  <c:v>Sales</c:v>
+                </c:pt>
+              </c:strCache>
+            </c:strRef>
+          </c:tx>
+          <c:dLbls>
+            <c:showVal val="1"/>
+            <c:showCatName val="1"/>
+            <c:showLeaderLines val="1"/>
+          </c:dLbls>
+          <c:cat>
+            <c:strRef>
+              <c:f>Sheet1!$A$2:$A$3</c:f>
+              <c:strCache>
+                <c:ptCount val="2"/>
+                <c:pt idx="0">
+                  <c:v>n=3</c:v>
+                </c:pt>
+                <c:pt idx="1">
+                  <c:v>n=7</c:v>
+                </c:pt>
+              </c:strCache>
+            </c:strRef>
+          </c:cat>
+          <c:val>
+            <c:numRef>
+              <c:f>Sheet1!$B$2:$B$3</c:f>
+              <c:numCache>
+                <c:formatCode>General</c:formatCode>
+                <c:ptCount val="2"/>
+                <c:pt idx="0">
+                  <c:v>509</c:v>
+                </c:pt>
+                <c:pt idx="1">
+                  <c:v>491</c:v>
+                </c:pt>
+              </c:numCache>
+            </c:numRef>
+          </c:val>
+        </c:ser>
+        <c:dLbls>
+          <c:showVal val="1"/>
+          <c:showCatName val="1"/>
+        </c:dLbls>
+        <c:firstSliceAng val="0"/>
+      </c:pieChart>
+    </c:plotArea>
+    <c:plotVisOnly val="1"/>
+  </c:chart>
+  <c:txPr>
+    <a:bodyPr/>
+    <a:lstStyle/>
+    <a:p>
+      <a:pPr>
+        <a:defRPr sz="1800"/>
+      </a:pPr>
+      <a:endParaRPr lang="en-US"/>
+    </a:p>
+  </c:txPr>
+  <c:externalData r:id="rId1"/>
+</c:chartSpace>
+</file>
+
+<file path=ppt/charts/chart12.xml><?xml version="1.0" encoding="utf-8"?>
+<c:chartSpace xmlns:c="http://schemas.openxmlformats.org/drawingml/2006/chart" xmlns:a="http://schemas.openxmlformats.org/drawingml/2006/main" xmlns:r="http://schemas.openxmlformats.org/officeDocument/2006/relationships">
+  <c:lang val="en-US"/>
+  <c:chart>
+    <c:autoTitleDeleted val="1"/>
+    <c:plotArea>
+      <c:layout/>
+      <c:pieChart>
+        <c:varyColors val="1"/>
+        <c:ser>
+          <c:idx val="0"/>
+          <c:order val="0"/>
+          <c:tx>
+            <c:strRef>
+              <c:f>Sheet1!$B$1</c:f>
+              <c:strCache>
+                <c:ptCount val="1"/>
+                <c:pt idx="0">
+                  <c:v>Sales</c:v>
+                </c:pt>
+              </c:strCache>
+            </c:strRef>
+          </c:tx>
+          <c:dLbls>
+            <c:showVal val="1"/>
+            <c:showCatName val="1"/>
+            <c:showLeaderLines val="1"/>
+          </c:dLbls>
+          <c:cat>
+            <c:strRef>
+              <c:f>Sheet1!$A$2:$A$3</c:f>
+              <c:strCache>
+                <c:ptCount val="2"/>
+                <c:pt idx="0">
+                  <c:v>n=4</c:v>
+                </c:pt>
+                <c:pt idx="1">
+                  <c:v>n=15</c:v>
+                </c:pt>
+              </c:strCache>
+            </c:strRef>
+          </c:cat>
+          <c:val>
+            <c:numRef>
+              <c:f>Sheet1!$B$2:$B$3</c:f>
+              <c:numCache>
+                <c:formatCode>General</c:formatCode>
+                <c:ptCount val="2"/>
+                <c:pt idx="0">
+                  <c:v>478</c:v>
+                </c:pt>
+                <c:pt idx="1">
+                  <c:v>522</c:v>
+                </c:pt>
+              </c:numCache>
+            </c:numRef>
+          </c:val>
+        </c:ser>
+        <c:dLbls>
+          <c:showVal val="1"/>
+          <c:showCatName val="1"/>
+        </c:dLbls>
+        <c:firstSliceAng val="0"/>
+      </c:pieChart>
+    </c:plotArea>
     <c:plotVisOnly val="1"/>
   </c:chart>
   <c:txPr>
@@ -852,25 +1098,25 @@
           </c:val>
         </c:ser>
         <c:marker val="1"/>
-        <c:axId val="79224832"/>
-        <c:axId val="79226368"/>
+        <c:axId val="84270464"/>
+        <c:axId val="84546688"/>
       </c:lineChart>
       <c:catAx>
-        <c:axId val="79224832"/>
+        <c:axId val="84270464"/>
         <c:scaling>
           <c:orientation val="minMax"/>
         </c:scaling>
         <c:axPos val="b"/>
         <c:numFmt formatCode="General" sourceLinked="1"/>
         <c:tickLblPos val="nextTo"/>
-        <c:crossAx val="79226368"/>
+        <c:crossAx val="84546688"/>
         <c:crosses val="autoZero"/>
         <c:auto val="1"/>
         <c:lblAlgn val="ctr"/>
         <c:lblOffset val="100"/>
       </c:catAx>
       <c:valAx>
-        <c:axId val="79226368"/>
+        <c:axId val="84546688"/>
         <c:scaling>
           <c:orientation val="minMax"/>
         </c:scaling>
@@ -878,7 +1124,7 @@
         <c:majorGridlines/>
         <c:numFmt formatCode="General" sourceLinked="1"/>
         <c:tickLblPos val="nextTo"/>
-        <c:crossAx val="79224832"/>
+        <c:crossAx val="84270464"/>
         <c:crosses val="autoZero"/>
         <c:crossBetween val="between"/>
       </c:valAx>
@@ -914,10 +1160,10 @@
           <c:layoutTarget val="inner"/>
           <c:xMode val="edge"/>
           <c:yMode val="edge"/>
-          <c:x val="0.14073115860517435"/>
-          <c:y val="4.1545892713408264E-2"/>
+          <c:x val="0.14073115860517438"/>
+          <c:y val="4.1545892713408257E-2"/>
           <c:w val="0.80017033585087582"/>
-          <c:h val="0.77800760019822079"/>
+          <c:h val="0.77800760019822091"/>
         </c:manualLayout>
       </c:layout>
       <c:pieChart>
@@ -962,10 +1208,10 @@
                 <c:formatCode>General</c:formatCode>
                 <c:ptCount val="2"/>
                 <c:pt idx="0">
-                  <c:v>469</c:v>
+                  <c:v>499</c:v>
                 </c:pt>
                 <c:pt idx="1">
-                  <c:v>531</c:v>
+                  <c:v>501</c:v>
                 </c:pt>
               </c:numCache>
             </c:numRef>
@@ -996,7 +1242,6 @@
 
 <file path=ppt/charts/chart4.xml><?xml version="1.0" encoding="utf-8"?>
 <c:chartSpace xmlns:c="http://schemas.openxmlformats.org/drawingml/2006/chart" xmlns:a="http://schemas.openxmlformats.org/drawingml/2006/main" xmlns:r="http://schemas.openxmlformats.org/officeDocument/2006/relationships">
-  <c:date1904 val="1"/>
   <c:lang val="en-US"/>
   <c:chart>
     <c:autoTitleDeleted val="1"/>
@@ -1044,10 +1289,10 @@
                 <c:formatCode>General</c:formatCode>
                 <c:ptCount val="2"/>
                 <c:pt idx="0">
-                  <c:v>464</c:v>
+                  <c:v>508</c:v>
                 </c:pt>
                 <c:pt idx="1">
-                  <c:v>536</c:v>
+                  <c:v>492</c:v>
                 </c:pt>
               </c:numCache>
             </c:numRef>
@@ -1110,7 +1355,6 @@
 
 <file path=ppt/charts/chart6.xml><?xml version="1.0" encoding="utf-8"?>
 <c:chartSpace xmlns:c="http://schemas.openxmlformats.org/drawingml/2006/chart" xmlns:a="http://schemas.openxmlformats.org/drawingml/2006/main" xmlns:r="http://schemas.openxmlformats.org/officeDocument/2006/relationships">
-  <c:date1904 val="1"/>
   <c:lang val="en-US"/>
   <c:chart>
     <c:autoTitleDeleted val="1"/>
@@ -1158,10 +1402,10 @@
                 <c:formatCode>General</c:formatCode>
                 <c:ptCount val="2"/>
                 <c:pt idx="0">
-                  <c:v>465</c:v>
+                  <c:v>490</c:v>
                 </c:pt>
                 <c:pt idx="1">
-                  <c:v>535</c:v>
+                  <c:v>510</c:v>
                 </c:pt>
               </c:numCache>
             </c:numRef>
@@ -1192,7 +1436,6 @@
 
 <file path=ppt/charts/chart7.xml><?xml version="1.0" encoding="utf-8"?>
 <c:chartSpace xmlns:c="http://schemas.openxmlformats.org/drawingml/2006/chart" xmlns:a="http://schemas.openxmlformats.org/drawingml/2006/main" xmlns:r="http://schemas.openxmlformats.org/officeDocument/2006/relationships">
-  <c:date1904 val="1"/>
   <c:lang val="en-US"/>
   <c:chart>
     <c:autoTitleDeleted val="1"/>
@@ -1240,10 +1483,10 @@
                 <c:formatCode>General</c:formatCode>
                 <c:ptCount val="2"/>
                 <c:pt idx="0">
-                  <c:v>451</c:v>
+                  <c:v>478</c:v>
                 </c:pt>
                 <c:pt idx="1">
-                  <c:v>549</c:v>
+                  <c:v>522</c:v>
                 </c:pt>
               </c:numCache>
             </c:numRef>
@@ -1321,10 +1564,91 @@
                 <c:formatCode>General</c:formatCode>
                 <c:ptCount val="2"/>
                 <c:pt idx="0">
-                  <c:v>470</c:v>
+                  <c:v>483</c:v>
                 </c:pt>
                 <c:pt idx="1">
-                  <c:v>530</c:v>
+                  <c:v>517</c:v>
+                </c:pt>
+              </c:numCache>
+            </c:numRef>
+          </c:val>
+        </c:ser>
+        <c:dLbls>
+          <c:showVal val="1"/>
+          <c:showCatName val="1"/>
+        </c:dLbls>
+        <c:firstSliceAng val="0"/>
+      </c:pieChart>
+    </c:plotArea>
+    <c:plotVisOnly val="1"/>
+  </c:chart>
+  <c:txPr>
+    <a:bodyPr/>
+    <a:lstStyle/>
+    <a:p>
+      <a:pPr>
+        <a:defRPr sz="1800"/>
+      </a:pPr>
+      <a:endParaRPr lang="en-US"/>
+    </a:p>
+  </c:txPr>
+  <c:externalData r:id="rId1"/>
+</c:chartSpace>
+</file>
+
+<file path=ppt/charts/chart9.xml><?xml version="1.0" encoding="utf-8"?>
+<c:chartSpace xmlns:c="http://schemas.openxmlformats.org/drawingml/2006/chart" xmlns:a="http://schemas.openxmlformats.org/drawingml/2006/main" xmlns:r="http://schemas.openxmlformats.org/officeDocument/2006/relationships">
+  <c:lang val="en-US"/>
+  <c:chart>
+    <c:autoTitleDeleted val="1"/>
+    <c:plotArea>
+      <c:layout/>
+      <c:pieChart>
+        <c:varyColors val="1"/>
+        <c:ser>
+          <c:idx val="0"/>
+          <c:order val="0"/>
+          <c:tx>
+            <c:strRef>
+              <c:f>Sheet1!$B$1</c:f>
+              <c:strCache>
+                <c:ptCount val="1"/>
+                <c:pt idx="0">
+                  <c:v>Sales</c:v>
+                </c:pt>
+              </c:strCache>
+            </c:strRef>
+          </c:tx>
+          <c:dLbls>
+            <c:showVal val="1"/>
+            <c:showCatName val="1"/>
+            <c:showLeaderLines val="1"/>
+          </c:dLbls>
+          <c:cat>
+            <c:strRef>
+              <c:f>Sheet1!$A$2:$A$3</c:f>
+              <c:strCache>
+                <c:ptCount val="2"/>
+                <c:pt idx="0">
+                  <c:v>n=2</c:v>
+                </c:pt>
+                <c:pt idx="1">
+                  <c:v>n=5</c:v>
+                </c:pt>
+              </c:strCache>
+            </c:strRef>
+          </c:cat>
+          <c:val>
+            <c:numRef>
+              <c:f>Sheet1!$B$2:$B$3</c:f>
+              <c:numCache>
+                <c:formatCode>General</c:formatCode>
+                <c:ptCount val="2"/>
+                <c:pt idx="0">
+                  <c:v>483</c:v>
+                </c:pt>
+                <c:pt idx="1">
+                  <c:v>517</c:v>
                 </c:pt>
               </c:numCache>
             </c:numRef>
@@ -1535,7 +1859,7 @@
             <a:fld id="{6A9098E9-EBEF-4CE3-A33C-08CA338752E2}" type="datetimeFigureOut">
               <a:rPr lang="en-US" smtClean="0"/>
               <a:pPr/>
-              <a:t>2/16/2016</a:t>
+              <a:t>2/18/2016</a:t>
             </a:fld>
             <a:endParaRPr lang="en-US"/>
           </a:p>
@@ -1702,7 +2026,7 @@
             <a:fld id="{6A9098E9-EBEF-4CE3-A33C-08CA338752E2}" type="datetimeFigureOut">
               <a:rPr lang="en-US" smtClean="0"/>
               <a:pPr/>
-              <a:t>2/16/2016</a:t>
+              <a:t>2/18/2016</a:t>
             </a:fld>
             <a:endParaRPr lang="en-US"/>
           </a:p>
@@ -1879,7 +2203,7 @@
             <a:fld id="{6A9098E9-EBEF-4CE3-A33C-08CA338752E2}" type="datetimeFigureOut">
               <a:rPr lang="en-US" smtClean="0"/>
               <a:pPr/>
-              <a:t>2/16/2016</a:t>
+              <a:t>2/18/2016</a:t>
             </a:fld>
             <a:endParaRPr lang="en-US"/>
           </a:p>
@@ -2046,7 +2370,7 @@
             <a:fld id="{6A9098E9-EBEF-4CE3-A33C-08CA338752E2}" type="datetimeFigureOut">
               <a:rPr lang="en-US" smtClean="0"/>
               <a:pPr/>
-              <a:t>2/16/2016</a:t>
+              <a:t>2/18/2016</a:t>
             </a:fld>
             <a:endParaRPr lang="en-US"/>
           </a:p>
@@ -2289,7 +2613,7 @@
             <a:fld id="{6A9098E9-EBEF-4CE3-A33C-08CA338752E2}" type="datetimeFigureOut">
               <a:rPr lang="en-US" smtClean="0"/>
               <a:pPr/>
-              <a:t>2/16/2016</a:t>
+              <a:t>2/18/2016</a:t>
             </a:fld>
             <a:endParaRPr lang="en-US"/>
           </a:p>
@@ -2574,7 +2898,7 @@
             <a:fld id="{6A9098E9-EBEF-4CE3-A33C-08CA338752E2}" type="datetimeFigureOut">
               <a:rPr lang="en-US" smtClean="0"/>
               <a:pPr/>
-              <a:t>2/16/2016</a:t>
+              <a:t>2/18/2016</a:t>
             </a:fld>
             <a:endParaRPr lang="en-US"/>
           </a:p>
@@ -2993,7 +3317,7 @@
             <a:fld id="{6A9098E9-EBEF-4CE3-A33C-08CA338752E2}" type="datetimeFigureOut">
               <a:rPr lang="en-US" smtClean="0"/>
               <a:pPr/>
-              <a:t>2/16/2016</a:t>
+              <a:t>2/18/2016</a:t>
             </a:fld>
             <a:endParaRPr lang="en-US"/>
           </a:p>
@@ -3108,7 +3432,7 @@
             <a:fld id="{6A9098E9-EBEF-4CE3-A33C-08CA338752E2}" type="datetimeFigureOut">
               <a:rPr lang="en-US" smtClean="0"/>
               <a:pPr/>
-              <a:t>2/16/2016</a:t>
+              <a:t>2/18/2016</a:t>
             </a:fld>
             <a:endParaRPr lang="en-US"/>
           </a:p>
@@ -3200,7 +3524,7 @@
             <a:fld id="{6A9098E9-EBEF-4CE3-A33C-08CA338752E2}" type="datetimeFigureOut">
               <a:rPr lang="en-US" smtClean="0"/>
               <a:pPr/>
-              <a:t>2/16/2016</a:t>
+              <a:t>2/18/2016</a:t>
             </a:fld>
             <a:endParaRPr lang="en-US"/>
           </a:p>
@@ -3474,7 +3798,7 @@
             <a:fld id="{6A9098E9-EBEF-4CE3-A33C-08CA338752E2}" type="datetimeFigureOut">
               <a:rPr lang="en-US" smtClean="0"/>
               <a:pPr/>
-              <a:t>2/16/2016</a:t>
+              <a:t>2/18/2016</a:t>
             </a:fld>
             <a:endParaRPr lang="en-US"/>
           </a:p>
@@ -3724,7 +4048,7 @@
             <a:fld id="{6A9098E9-EBEF-4CE3-A33C-08CA338752E2}" type="datetimeFigureOut">
               <a:rPr lang="en-US" smtClean="0"/>
               <a:pPr/>
-              <a:t>2/16/2016</a:t>
+              <a:t>2/18/2016</a:t>
             </a:fld>
             <a:endParaRPr lang="en-US"/>
           </a:p>
@@ -3934,7 +4258,7 @@
             <a:fld id="{6A9098E9-EBEF-4CE3-A33C-08CA338752E2}" type="datetimeFigureOut">
               <a:rPr lang="en-US" smtClean="0"/>
               <a:pPr/>
-              <a:t>2/16/2016</a:t>
+              <a:t>2/18/2016</a:t>
             </a:fld>
             <a:endParaRPr lang="en-US"/>
           </a:p>
@@ -4903,8 +5227,36 @@
         </p:nvSpPr>
         <p:spPr/>
         <p:txBody>
-          <a:bodyPr/>
-          <a:lstStyle/>
+          <a:bodyPr>
+            <a:normAutofit fontScale="92500" lnSpcReduction="20000"/>
+          </a:bodyPr>
+          <a:lstStyle/>
+          <a:p>
+            <a:r>
+              <a:rPr lang="sr-Latn-RS" dirty="0" smtClean="0"/>
+              <a:t>Na odabir prvog poteza utiču samo prvi potezi iz prethodnih partija, na svaki sledeći utiču br. </a:t>
+            </a:r>
+            <a:r>
+              <a:rPr lang="sr-Latn-RS" dirty="0" smtClean="0"/>
+              <a:t>r</a:t>
+            </a:r>
+            <a:r>
+              <a:rPr lang="sr-Latn-RS" dirty="0" smtClean="0"/>
+              <a:t>unde-1 poteza, sve dok br. </a:t>
+            </a:r>
+            <a:r>
+              <a:rPr lang="sr-Latn-RS" dirty="0" smtClean="0"/>
+              <a:t>r</a:t>
+            </a:r>
+            <a:r>
+              <a:rPr lang="sr-Latn-RS" dirty="0" smtClean="0"/>
+              <a:t>unde ne dostigne “n”</a:t>
+            </a:r>
+            <a:endParaRPr lang="en-US" dirty="0" smtClean="0"/>
+          </a:p>
+          <a:p>
+            <a:endParaRPr lang="en-US" dirty="0" smtClean="0"/>
+          </a:p>
           <a:p>
             <a:r>
               <a:rPr lang="en-US" dirty="0" smtClean="0"/>
@@ -4973,7 +5325,15 @@
           <a:p>
             <a:r>
               <a:rPr lang="sr-Latn-RS" dirty="0" smtClean="0"/>
-              <a:t>U slučaju da nije našao nijedno poklapanje u prehodnim partijama sa n prosleđenih poteza, pokušaće sa n-1 poteza</a:t>
+              <a:t>U slučaju da nije našao nijedno poklapanje u prehodnim partijama sa </a:t>
+            </a:r>
+            <a:r>
+              <a:rPr lang="sr-Latn-RS" dirty="0" smtClean="0"/>
+              <a:t>“n” </a:t>
+            </a:r>
+            <a:r>
+              <a:rPr lang="sr-Latn-RS" dirty="0" smtClean="0"/>
+              <a:t>prosleđenih poteza, pokušaće sa n-1 poteza</a:t>
             </a:r>
             <a:endParaRPr lang="en-US" dirty="0"/>
           </a:p>
@@ -5379,11 +5739,7 @@
           <a:p>
             <a:r>
               <a:rPr lang="sr-Latn-RS" dirty="0" smtClean="0"/>
-              <a:t>Rezultati </a:t>
-            </a:r>
-            <a:r>
-              <a:rPr lang="sr-Latn-RS" dirty="0" smtClean="0"/>
-              <a:t>studije</a:t>
+              <a:t>Rezultati studije</a:t>
             </a:r>
             <a:r>
               <a:rPr lang="en-US" dirty="0" smtClean="0"/>
@@ -5483,11 +5839,7 @@
           <a:p>
             <a:r>
               <a:rPr lang="sr-Latn-RS" dirty="0" smtClean="0"/>
-              <a:t>Rezultati </a:t>
-            </a:r>
-            <a:r>
-              <a:rPr lang="sr-Latn-RS" dirty="0" smtClean="0"/>
-              <a:t>algoritma protiv igrača</a:t>
+              <a:t>Rezultati algoritma protiv igrača</a:t>
             </a:r>
             <a:endParaRPr lang="en-US" dirty="0"/>
           </a:p>
@@ -5885,12 +6237,30 @@
           </p:nvPr>
         </p:nvGraphicFramePr>
         <p:xfrm>
-          <a:off x="457200" y="1600200"/>
-          <a:ext cx="8229600" cy="4525963"/>
+          <a:off x="457200" y="1905000"/>
+          <a:ext cx="3505200" cy="4221163"/>
         </p:xfrm>
         <a:graphic>
           <a:graphicData uri="http://schemas.openxmlformats.org/drawingml/2006/chart">
             <c:chart xmlns:c="http://schemas.openxmlformats.org/drawingml/2006/chart" xmlns:r="http://schemas.openxmlformats.org/officeDocument/2006/relationships" r:id="rId2"/>
+          </a:graphicData>
+        </a:graphic>
+      </p:graphicFrame>
+      <p:graphicFrame>
+        <p:nvGraphicFramePr>
+          <p:cNvPr id="4" name="Content Placeholder 5"/>
+          <p:cNvGraphicFramePr>
+            <a:graphicFrameLocks/>
+          </p:cNvGraphicFramePr>
+          <p:nvPr/>
+        </p:nvGraphicFramePr>
+        <p:xfrm>
+          <a:off x="4495800" y="1981200"/>
+          <a:ext cx="3505200" cy="4221163"/>
+        </p:xfrm>
+        <a:graphic>
+          <a:graphicData uri="http://schemas.openxmlformats.org/drawingml/2006/chart">
+            <c:chart xmlns:c="http://schemas.openxmlformats.org/drawingml/2006/chart" xmlns:r="http://schemas.openxmlformats.org/officeDocument/2006/relationships" r:id="rId3"/>
           </a:graphicData>
         </a:graphic>
       </p:graphicFrame>
@@ -5931,6 +6301,164 @@
         </p:nvSpPr>
         <p:spPr/>
         <p:txBody>
+          <a:bodyPr/>
+          <a:lstStyle/>
+          <a:p>
+            <a:r>
+              <a:rPr lang="en-US" dirty="0" smtClean="0"/>
+              <a:t>R</a:t>
+            </a:r>
+            <a:r>
+              <a:rPr lang="sr-Latn-RS" dirty="0" smtClean="0"/>
+              <a:t>ezultati</a:t>
+            </a:r>
+            <a:endParaRPr lang="en-US" dirty="0"/>
+          </a:p>
+        </p:txBody>
+      </p:sp>
+      <p:graphicFrame>
+        <p:nvGraphicFramePr>
+          <p:cNvPr id="4" name="Content Placeholder 3"/>
+          <p:cNvGraphicFramePr>
+            <a:graphicFrameLocks noGrp="1"/>
+          </p:cNvGraphicFramePr>
+          <p:nvPr>
+            <p:ph idx="1"/>
+          </p:nvPr>
+        </p:nvGraphicFramePr>
+        <p:xfrm>
+          <a:off x="457200" y="1447800"/>
+          <a:ext cx="3581400" cy="4678363"/>
+        </p:xfrm>
+        <a:graphic>
+          <a:graphicData uri="http://schemas.openxmlformats.org/drawingml/2006/chart">
+            <c:chart xmlns:c="http://schemas.openxmlformats.org/drawingml/2006/chart" xmlns:r="http://schemas.openxmlformats.org/officeDocument/2006/relationships" r:id="rId2"/>
+          </a:graphicData>
+        </a:graphic>
+      </p:graphicFrame>
+      <p:graphicFrame>
+        <p:nvGraphicFramePr>
+          <p:cNvPr id="5" name="Content Placeholder 3"/>
+          <p:cNvGraphicFramePr>
+            <a:graphicFrameLocks/>
+          </p:cNvGraphicFramePr>
+          <p:nvPr/>
+        </p:nvGraphicFramePr>
+        <p:xfrm>
+          <a:off x="4648200" y="1295400"/>
+          <a:ext cx="3429000" cy="4830763"/>
+        </p:xfrm>
+        <a:graphic>
+          <a:graphicData uri="http://schemas.openxmlformats.org/drawingml/2006/chart">
+            <c:chart xmlns:c="http://schemas.openxmlformats.org/drawingml/2006/chart" xmlns:r="http://schemas.openxmlformats.org/officeDocument/2006/relationships" r:id="rId3"/>
+          </a:graphicData>
+        </a:graphic>
+      </p:graphicFrame>
+    </p:spTree>
+  </p:cSld>
+  <p:clrMapOvr>
+    <a:masterClrMapping/>
+  </p:clrMapOvr>
+</p:sld>
+</file>
+
+<file path=ppt/slides/slide27.xml><?xml version="1.0" encoding="utf-8"?>
+<p:sld xmlns:a="http://schemas.openxmlformats.org/drawingml/2006/main" xmlns:r="http://schemas.openxmlformats.org/officeDocument/2006/relationships" xmlns:p="http://schemas.openxmlformats.org/presentationml/2006/main">
+  <p:cSld>
+    <p:spTree>
+      <p:nvGrpSpPr>
+        <p:cNvPr id="1" name=""/>
+        <p:cNvGrpSpPr/>
+        <p:nvPr/>
+      </p:nvGrpSpPr>
+      <p:grpSpPr>
+        <a:xfrm>
+          <a:off x="0" y="0"/>
+          <a:ext cx="0" cy="0"/>
+          <a:chOff x="0" y="0"/>
+          <a:chExt cx="0" cy="0"/>
+        </a:xfrm>
+      </p:grpSpPr>
+      <p:sp>
+        <p:nvSpPr>
+          <p:cNvPr id="2" name="Title 1"/>
+          <p:cNvSpPr>
+            <a:spLocks noGrp="1"/>
+          </p:cNvSpPr>
+          <p:nvPr>
+            <p:ph type="title"/>
+          </p:nvPr>
+        </p:nvSpPr>
+        <p:spPr/>
+        <p:txBody>
+          <a:bodyPr/>
+          <a:lstStyle/>
+          <a:p>
+            <a:r>
+              <a:rPr lang="en-US" dirty="0" err="1" smtClean="0"/>
+              <a:t>Rezultati</a:t>
+            </a:r>
+            <a:endParaRPr lang="en-US" dirty="0"/>
+          </a:p>
+        </p:txBody>
+      </p:sp>
+      <p:graphicFrame>
+        <p:nvGraphicFramePr>
+          <p:cNvPr id="4" name="Content Placeholder 3"/>
+          <p:cNvGraphicFramePr>
+            <a:graphicFrameLocks noGrp="1"/>
+          </p:cNvGraphicFramePr>
+          <p:nvPr>
+            <p:ph idx="1"/>
+          </p:nvPr>
+        </p:nvGraphicFramePr>
+        <p:xfrm>
+          <a:off x="457200" y="1600200"/>
+          <a:ext cx="8229600" cy="4525963"/>
+        </p:xfrm>
+        <a:graphic>
+          <a:graphicData uri="http://schemas.openxmlformats.org/drawingml/2006/chart">
+            <c:chart xmlns:c="http://schemas.openxmlformats.org/drawingml/2006/chart" xmlns:r="http://schemas.openxmlformats.org/officeDocument/2006/relationships" r:id="rId2"/>
+          </a:graphicData>
+        </a:graphic>
+      </p:graphicFrame>
+    </p:spTree>
+  </p:cSld>
+  <p:clrMapOvr>
+    <a:masterClrMapping/>
+  </p:clrMapOvr>
+</p:sld>
+</file>
+
+<file path=ppt/slides/slide28.xml><?xml version="1.0" encoding="utf-8"?>
+<p:sld xmlns:a="http://schemas.openxmlformats.org/drawingml/2006/main" xmlns:r="http://schemas.openxmlformats.org/officeDocument/2006/relationships" xmlns:p="http://schemas.openxmlformats.org/presentationml/2006/main">
+  <p:cSld>
+    <p:spTree>
+      <p:nvGrpSpPr>
+        <p:cNvPr id="1" name=""/>
+        <p:cNvGrpSpPr/>
+        <p:nvPr/>
+      </p:nvGrpSpPr>
+      <p:grpSpPr>
+        <a:xfrm>
+          <a:off x="0" y="0"/>
+          <a:ext cx="0" cy="0"/>
+          <a:chOff x="0" y="0"/>
+          <a:chExt cx="0" cy="0"/>
+        </a:xfrm>
+      </p:grpSpPr>
+      <p:sp>
+        <p:nvSpPr>
+          <p:cNvPr id="2" name="Title 1"/>
+          <p:cNvSpPr>
+            <a:spLocks noGrp="1"/>
+          </p:cNvSpPr>
+          <p:nvPr>
+            <p:ph type="title"/>
+          </p:nvPr>
+        </p:nvSpPr>
+        <p:spPr/>
+        <p:txBody>
           <a:bodyPr>
             <a:normAutofit fontScale="90000"/>
           </a:bodyPr>
@@ -5956,12 +6484,107 @@
         </p:nvSpPr>
         <p:spPr/>
         <p:txBody>
-          <a:bodyPr/>
-          <a:lstStyle/>
-          <a:p>
-            <a:r>
-              <a:rPr lang="sr-Latn-RS" dirty="0" smtClean="0"/>
-              <a:t>Kada upoređujemo algoritam sa različitim brojem poteza koje pamti, primeti se da za veće “n” algoritam češće pobedi, iako ne bude ogromna razlika</a:t>
+          <a:bodyPr>
+            <a:normAutofit fontScale="85000" lnSpcReduction="10000"/>
+          </a:bodyPr>
+          <a:lstStyle/>
+          <a:p>
+            <a:r>
+              <a:rPr lang="sr-Latn-RS" dirty="0" smtClean="0"/>
+              <a:t>Kada upoređujemo algoritam sa različitim brojem poteza koje pamti, </a:t>
+            </a:r>
+            <a:r>
+              <a:rPr lang="sr-Latn-RS" dirty="0" smtClean="0"/>
+              <a:t>uglavnom u od 1000 puta odigranih 1000 partija, bolje rezultate ima algoritam za veći korak.</a:t>
+            </a:r>
+          </a:p>
+          <a:p>
+            <a:endParaRPr lang="sr-Latn-RS" dirty="0" smtClean="0"/>
+          </a:p>
+          <a:p>
+            <a:r>
+              <a:rPr lang="sr-Latn-RS" dirty="0" smtClean="0"/>
+              <a:t>Iako se dešava da manji korak bolje prođe gledajući samo broj pobeđenih 1000 partija, gledano pojedinačno 1000 partija kada pobedi veći korak to je uglavnom sa većom razlikom (najčešće 750-850/1000, a prelazi i 900), dok kada manji korak pobedi bude bliže (uglavnom 600-700/1000)</a:t>
+            </a:r>
+          </a:p>
+        </p:txBody>
+      </p:sp>
+    </p:spTree>
+  </p:cSld>
+  <p:clrMapOvr>
+    <a:masterClrMapping/>
+  </p:clrMapOvr>
+</p:sld>
+</file>
+
+<file path=ppt/slides/slide29.xml><?xml version="1.0" encoding="utf-8"?>
+<p:sld xmlns:a="http://schemas.openxmlformats.org/drawingml/2006/main" xmlns:r="http://schemas.openxmlformats.org/officeDocument/2006/relationships" xmlns:p="http://schemas.openxmlformats.org/presentationml/2006/main">
+  <p:cSld>
+    <p:spTree>
+      <p:nvGrpSpPr>
+        <p:cNvPr id="1" name=""/>
+        <p:cNvGrpSpPr/>
+        <p:nvPr/>
+      </p:nvGrpSpPr>
+      <p:grpSpPr>
+        <a:xfrm>
+          <a:off x="0" y="0"/>
+          <a:ext cx="0" cy="0"/>
+          <a:chOff x="0" y="0"/>
+          <a:chExt cx="0" cy="0"/>
+        </a:xfrm>
+      </p:grpSpPr>
+      <p:sp>
+        <p:nvSpPr>
+          <p:cNvPr id="2" name="Title 1"/>
+          <p:cNvSpPr>
+            <a:spLocks noGrp="1"/>
+          </p:cNvSpPr>
+          <p:nvPr>
+            <p:ph type="title"/>
+          </p:nvPr>
+        </p:nvSpPr>
+        <p:spPr/>
+        <p:txBody>
+          <a:bodyPr>
+            <a:normAutofit fontScale="90000"/>
+          </a:bodyPr>
+          <a:lstStyle/>
+          <a:p>
+            <a:r>
+              <a:rPr lang="sr-Latn-RS" dirty="0" smtClean="0"/>
+              <a:t>Rezultati studije bez ljudskog faktora</a:t>
+            </a:r>
+            <a:endParaRPr lang="en-US" dirty="0"/>
+          </a:p>
+        </p:txBody>
+      </p:sp>
+      <p:sp>
+        <p:nvSpPr>
+          <p:cNvPr id="3" name="Content Placeholder 2"/>
+          <p:cNvSpPr>
+            <a:spLocks noGrp="1"/>
+          </p:cNvSpPr>
+          <p:nvPr>
+            <p:ph idx="1"/>
+          </p:nvPr>
+        </p:nvSpPr>
+        <p:spPr/>
+        <p:txBody>
+          <a:bodyPr/>
+          <a:lstStyle/>
+          <a:p>
+            <a:r>
+              <a:rPr lang="sr-Latn-RS" dirty="0" smtClean="0"/>
+              <a:t>Iako klasični N</a:t>
+            </a:r>
+            <a:r>
+              <a:rPr lang="en-US" dirty="0" smtClean="0"/>
+              <a:t>g</a:t>
+            </a:r>
+            <a:r>
+              <a:rPr lang="sr-Latn-RS" dirty="0" smtClean="0"/>
+              <a:t>ram pokazuje lošije rezultate kada se “n” poveća previše, zbog modifikacije algoritma da ukoliko ne uspe da nađe prosleđenu kombinaciju poteza pokuša opet bez najstarijeg poteza algoritam uspešno radi čak i za 15 poteza (što je takođe maskimalni broj poteza koju partija može imati).</a:t>
             </a:r>
             <a:endParaRPr lang="en-US" dirty="0"/>
           </a:p>
